--- a/dossier top secret/jeu pygame/menu/boutons menu/boutons pendu.pptx
+++ b/dossier top secret/jeu pygame/menu/boutons menu/boutons pendu.pptx
@@ -114,13 +114,18 @@
       </a:defRPr>
     </a:lvl9pPr>
   </p:defaultTextStyle>
+  <p:extLst>
+    <p:ext uri="{EFAFB233-063F-42B5-8137-9DF3F51BA10A}">
+      <p15:sldGuideLst xmlns:p15="http://schemas.microsoft.com/office/powerpoint/2012/main"/>
+    </p:ext>
+  </p:extLst>
 </p:presentation>
 </file>
 
 <file path=ppt/revisionInfo.xml><?xml version="1.0" encoding="utf-8"?>
 <p1510:revInfo xmlns:a="http://schemas.openxmlformats.org/drawingml/2006/main" xmlns:r="http://schemas.openxmlformats.org/officeDocument/2006/relationships" xmlns:p1510="http://schemas.microsoft.com/office/powerpoint/2015/10/main">
   <p1510:revLst>
-    <p1510:client id="{B890F27B-0AE0-F843-BB4C-9159AD38BA41}" v="65" dt="2024-02-06T18:31:19.272"/>
+    <p1510:client id="{2B3A6DBD-6178-9146-A27C-9603072F223C}" v="14" dt="2024-02-20T08:33:55.716"/>
   </p1510:revLst>
 </p1510:revInfo>
 </file>
@@ -1853,6 +1858,806 @@
       </pc:sldChg>
     </pc:docChg>
   </pc:docChgLst>
+  <pc:docChgLst>
+    <pc:chgData name="Martin Gremeaux-Bader" userId="b22552c5-8c31-49a1-9339-d3b2c60ed786" providerId="ADAL" clId="{2B3A6DBD-6178-9146-A27C-9603072F223C}"/>
+    <pc:docChg chg="undo custSel modSld">
+      <pc:chgData name="Martin Gremeaux-Bader" userId="b22552c5-8c31-49a1-9339-d3b2c60ed786" providerId="ADAL" clId="{2B3A6DBD-6178-9146-A27C-9603072F223C}" dt="2024-02-20T08:33:50.713" v="115" actId="1076"/>
+      <pc:docMkLst>
+        <pc:docMk/>
+      </pc:docMkLst>
+      <pc:sldChg chg="addSp delSp modSp mod">
+        <pc:chgData name="Martin Gremeaux-Bader" userId="b22552c5-8c31-49a1-9339-d3b2c60ed786" providerId="ADAL" clId="{2B3A6DBD-6178-9146-A27C-9603072F223C}" dt="2024-02-20T08:33:50.713" v="115" actId="1076"/>
+        <pc:sldMkLst>
+          <pc:docMk/>
+          <pc:sldMk cId="2822125265" sldId="257"/>
+        </pc:sldMkLst>
+        <pc:spChg chg="add del mod">
+          <ac:chgData name="Martin Gremeaux-Bader" userId="b22552c5-8c31-49a1-9339-d3b2c60ed786" providerId="ADAL" clId="{2B3A6DBD-6178-9146-A27C-9603072F223C}" dt="2024-02-20T08:28:52.370" v="23" actId="478"/>
+          <ac:spMkLst>
+            <pc:docMk/>
+            <pc:sldMk cId="2822125265" sldId="257"/>
+            <ac:spMk id="2" creationId="{1CC1D94D-4EDC-56C3-4779-614F1440D10D}"/>
+          </ac:spMkLst>
+        </pc:spChg>
+        <pc:spChg chg="add mod">
+          <ac:chgData name="Martin Gremeaux-Bader" userId="b22552c5-8c31-49a1-9339-d3b2c60ed786" providerId="ADAL" clId="{2B3A6DBD-6178-9146-A27C-9603072F223C}" dt="2024-02-20T08:31:36.064" v="75" actId="122"/>
+          <ac:spMkLst>
+            <pc:docMk/>
+            <pc:sldMk cId="2822125265" sldId="257"/>
+            <ac:spMk id="3" creationId="{A7D36578-0D25-ACD0-9FC8-DA127FD16443}"/>
+          </ac:spMkLst>
+        </pc:spChg>
+        <pc:spChg chg="add mod">
+          <ac:chgData name="Martin Gremeaux-Bader" userId="b22552c5-8c31-49a1-9339-d3b2c60ed786" providerId="ADAL" clId="{2B3A6DBD-6178-9146-A27C-9603072F223C}" dt="2024-02-20T08:31:36.064" v="75" actId="122"/>
+          <ac:spMkLst>
+            <pc:docMk/>
+            <pc:sldMk cId="2822125265" sldId="257"/>
+            <ac:spMk id="4" creationId="{D6221CC3-A2C9-A9DF-ECE2-D0B4F57742CC}"/>
+          </ac:spMkLst>
+        </pc:spChg>
+        <pc:spChg chg="add mod">
+          <ac:chgData name="Martin Gremeaux-Bader" userId="b22552c5-8c31-49a1-9339-d3b2c60ed786" providerId="ADAL" clId="{2B3A6DBD-6178-9146-A27C-9603072F223C}" dt="2024-02-20T08:31:36.064" v="75" actId="122"/>
+          <ac:spMkLst>
+            <pc:docMk/>
+            <pc:sldMk cId="2822125265" sldId="257"/>
+            <ac:spMk id="5" creationId="{CB382004-E766-7988-FAC3-8B48DED4768E}"/>
+          </ac:spMkLst>
+        </pc:spChg>
+        <pc:spChg chg="add mod">
+          <ac:chgData name="Martin Gremeaux-Bader" userId="b22552c5-8c31-49a1-9339-d3b2c60ed786" providerId="ADAL" clId="{2B3A6DBD-6178-9146-A27C-9603072F223C}" dt="2024-02-20T08:31:36.064" v="75" actId="122"/>
+          <ac:spMkLst>
+            <pc:docMk/>
+            <pc:sldMk cId="2822125265" sldId="257"/>
+            <ac:spMk id="6" creationId="{EA36C10B-ED31-D466-C4C9-74F941030DA3}"/>
+          </ac:spMkLst>
+        </pc:spChg>
+        <pc:spChg chg="add del mod">
+          <ac:chgData name="Martin Gremeaux-Bader" userId="b22552c5-8c31-49a1-9339-d3b2c60ed786" providerId="ADAL" clId="{2B3A6DBD-6178-9146-A27C-9603072F223C}" dt="2024-02-20T08:29:04.767" v="27" actId="767"/>
+          <ac:spMkLst>
+            <pc:docMk/>
+            <pc:sldMk cId="2822125265" sldId="257"/>
+            <ac:spMk id="7" creationId="{3FDAB3BC-FEBC-4621-EC98-9DF5925B7823}"/>
+          </ac:spMkLst>
+        </pc:spChg>
+        <pc:spChg chg="add mod">
+          <ac:chgData name="Martin Gremeaux-Bader" userId="b22552c5-8c31-49a1-9339-d3b2c60ed786" providerId="ADAL" clId="{2B3A6DBD-6178-9146-A27C-9603072F223C}" dt="2024-02-20T08:31:36.064" v="75" actId="122"/>
+          <ac:spMkLst>
+            <pc:docMk/>
+            <pc:sldMk cId="2822125265" sldId="257"/>
+            <ac:spMk id="8" creationId="{87BF5B2C-5D14-28E9-7C09-2CA8F2948586}"/>
+          </ac:spMkLst>
+        </pc:spChg>
+        <pc:spChg chg="add mod">
+          <ac:chgData name="Martin Gremeaux-Bader" userId="b22552c5-8c31-49a1-9339-d3b2c60ed786" providerId="ADAL" clId="{2B3A6DBD-6178-9146-A27C-9603072F223C}" dt="2024-02-20T08:31:36.064" v="75" actId="122"/>
+          <ac:spMkLst>
+            <pc:docMk/>
+            <pc:sldMk cId="2822125265" sldId="257"/>
+            <ac:spMk id="9" creationId="{CB88D596-12F1-F6DD-73E7-99948773C97C}"/>
+          </ac:spMkLst>
+        </pc:spChg>
+        <pc:spChg chg="add mod">
+          <ac:chgData name="Martin Gremeaux-Bader" userId="b22552c5-8c31-49a1-9339-d3b2c60ed786" providerId="ADAL" clId="{2B3A6DBD-6178-9146-A27C-9603072F223C}" dt="2024-02-20T08:31:36.064" v="75" actId="122"/>
+          <ac:spMkLst>
+            <pc:docMk/>
+            <pc:sldMk cId="2822125265" sldId="257"/>
+            <ac:spMk id="10" creationId="{BEC694F4-8722-79D7-7B46-F25F6C5DAB67}"/>
+          </ac:spMkLst>
+        </pc:spChg>
+        <pc:spChg chg="add mod">
+          <ac:chgData name="Martin Gremeaux-Bader" userId="b22552c5-8c31-49a1-9339-d3b2c60ed786" providerId="ADAL" clId="{2B3A6DBD-6178-9146-A27C-9603072F223C}" dt="2024-02-20T08:31:52.080" v="77" actId="1076"/>
+          <ac:spMkLst>
+            <pc:docMk/>
+            <pc:sldMk cId="2822125265" sldId="257"/>
+            <ac:spMk id="11" creationId="{A9C9777E-C196-BF92-879F-0B1FE83BA653}"/>
+          </ac:spMkLst>
+        </pc:spChg>
+        <pc:spChg chg="add mod">
+          <ac:chgData name="Martin Gremeaux-Bader" userId="b22552c5-8c31-49a1-9339-d3b2c60ed786" providerId="ADAL" clId="{2B3A6DBD-6178-9146-A27C-9603072F223C}" dt="2024-02-20T08:31:36.064" v="75" actId="122"/>
+          <ac:spMkLst>
+            <pc:docMk/>
+            <pc:sldMk cId="2822125265" sldId="257"/>
+            <ac:spMk id="12" creationId="{B17272D1-A9AA-86D5-1CC0-57BF8DD66097}"/>
+          </ac:spMkLst>
+        </pc:spChg>
+        <pc:spChg chg="add mod">
+          <ac:chgData name="Martin Gremeaux-Bader" userId="b22552c5-8c31-49a1-9339-d3b2c60ed786" providerId="ADAL" clId="{2B3A6DBD-6178-9146-A27C-9603072F223C}" dt="2024-02-20T08:31:36.064" v="75" actId="122"/>
+          <ac:spMkLst>
+            <pc:docMk/>
+            <pc:sldMk cId="2822125265" sldId="257"/>
+            <ac:spMk id="13" creationId="{158D8FA2-B118-4A0C-DEFF-76CA66BC9E42}"/>
+          </ac:spMkLst>
+        </pc:spChg>
+        <pc:spChg chg="add mod">
+          <ac:chgData name="Martin Gremeaux-Bader" userId="b22552c5-8c31-49a1-9339-d3b2c60ed786" providerId="ADAL" clId="{2B3A6DBD-6178-9146-A27C-9603072F223C}" dt="2024-02-20T08:31:36.064" v="75" actId="122"/>
+          <ac:spMkLst>
+            <pc:docMk/>
+            <pc:sldMk cId="2822125265" sldId="257"/>
+            <ac:spMk id="14" creationId="{E8E26079-8E70-FD90-5E2F-382A2E4C3983}"/>
+          </ac:spMkLst>
+        </pc:spChg>
+        <pc:spChg chg="add mod">
+          <ac:chgData name="Martin Gremeaux-Bader" userId="b22552c5-8c31-49a1-9339-d3b2c60ed786" providerId="ADAL" clId="{2B3A6DBD-6178-9146-A27C-9603072F223C}" dt="2024-02-20T08:31:36.064" v="75" actId="122"/>
+          <ac:spMkLst>
+            <pc:docMk/>
+            <pc:sldMk cId="2822125265" sldId="257"/>
+            <ac:spMk id="15" creationId="{6EFDAD82-6AF4-7EED-A456-C7C816084E70}"/>
+          </ac:spMkLst>
+        </pc:spChg>
+        <pc:spChg chg="add mod">
+          <ac:chgData name="Martin Gremeaux-Bader" userId="b22552c5-8c31-49a1-9339-d3b2c60ed786" providerId="ADAL" clId="{2B3A6DBD-6178-9146-A27C-9603072F223C}" dt="2024-02-20T08:31:36.064" v="75" actId="122"/>
+          <ac:spMkLst>
+            <pc:docMk/>
+            <pc:sldMk cId="2822125265" sldId="257"/>
+            <ac:spMk id="16" creationId="{6893410F-28D2-91BD-D71E-7A309A9E8045}"/>
+          </ac:spMkLst>
+        </pc:spChg>
+        <pc:spChg chg="add mod">
+          <ac:chgData name="Martin Gremeaux-Bader" userId="b22552c5-8c31-49a1-9339-d3b2c60ed786" providerId="ADAL" clId="{2B3A6DBD-6178-9146-A27C-9603072F223C}" dt="2024-02-20T08:31:36.064" v="75" actId="122"/>
+          <ac:spMkLst>
+            <pc:docMk/>
+            <pc:sldMk cId="2822125265" sldId="257"/>
+            <ac:spMk id="17" creationId="{6EE3C3ED-F804-BE09-07D0-6D0097C75131}"/>
+          </ac:spMkLst>
+        </pc:spChg>
+        <pc:spChg chg="add mod">
+          <ac:chgData name="Martin Gremeaux-Bader" userId="b22552c5-8c31-49a1-9339-d3b2c60ed786" providerId="ADAL" clId="{2B3A6DBD-6178-9146-A27C-9603072F223C}" dt="2024-02-20T08:31:36.064" v="75" actId="122"/>
+          <ac:spMkLst>
+            <pc:docMk/>
+            <pc:sldMk cId="2822125265" sldId="257"/>
+            <ac:spMk id="18" creationId="{74A96EA9-47D4-C8CF-F7C3-999DB9C7C9C5}"/>
+          </ac:spMkLst>
+        </pc:spChg>
+        <pc:spChg chg="add mod">
+          <ac:chgData name="Martin Gremeaux-Bader" userId="b22552c5-8c31-49a1-9339-d3b2c60ed786" providerId="ADAL" clId="{2B3A6DBD-6178-9146-A27C-9603072F223C}" dt="2024-02-20T08:31:36.064" v="75" actId="122"/>
+          <ac:spMkLst>
+            <pc:docMk/>
+            <pc:sldMk cId="2822125265" sldId="257"/>
+            <ac:spMk id="19" creationId="{FC6A132C-20E1-05BA-475A-32FF5DD53F5A}"/>
+          </ac:spMkLst>
+        </pc:spChg>
+        <pc:spChg chg="add mod">
+          <ac:chgData name="Martin Gremeaux-Bader" userId="b22552c5-8c31-49a1-9339-d3b2c60ed786" providerId="ADAL" clId="{2B3A6DBD-6178-9146-A27C-9603072F223C}" dt="2024-02-20T08:31:36.064" v="75" actId="122"/>
+          <ac:spMkLst>
+            <pc:docMk/>
+            <pc:sldMk cId="2822125265" sldId="257"/>
+            <ac:spMk id="20" creationId="{E4B1D522-846E-3D14-81CE-06FE32AC0CD6}"/>
+          </ac:spMkLst>
+        </pc:spChg>
+        <pc:spChg chg="add mod">
+          <ac:chgData name="Martin Gremeaux-Bader" userId="b22552c5-8c31-49a1-9339-d3b2c60ed786" providerId="ADAL" clId="{2B3A6DBD-6178-9146-A27C-9603072F223C}" dt="2024-02-20T08:31:36.064" v="75" actId="122"/>
+          <ac:spMkLst>
+            <pc:docMk/>
+            <pc:sldMk cId="2822125265" sldId="257"/>
+            <ac:spMk id="21" creationId="{A8FE597E-0211-1F66-6055-AEB22ABA4A36}"/>
+          </ac:spMkLst>
+        </pc:spChg>
+        <pc:spChg chg="add mod">
+          <ac:chgData name="Martin Gremeaux-Bader" userId="b22552c5-8c31-49a1-9339-d3b2c60ed786" providerId="ADAL" clId="{2B3A6DBD-6178-9146-A27C-9603072F223C}" dt="2024-02-20T08:31:36.064" v="75" actId="122"/>
+          <ac:spMkLst>
+            <pc:docMk/>
+            <pc:sldMk cId="2822125265" sldId="257"/>
+            <ac:spMk id="22" creationId="{2D8AA530-6214-7666-CFCD-B76DD69307E1}"/>
+          </ac:spMkLst>
+        </pc:spChg>
+        <pc:spChg chg="add mod">
+          <ac:chgData name="Martin Gremeaux-Bader" userId="b22552c5-8c31-49a1-9339-d3b2c60ed786" providerId="ADAL" clId="{2B3A6DBD-6178-9146-A27C-9603072F223C}" dt="2024-02-20T08:31:36.064" v="75" actId="122"/>
+          <ac:spMkLst>
+            <pc:docMk/>
+            <pc:sldMk cId="2822125265" sldId="257"/>
+            <ac:spMk id="23" creationId="{AB24E24D-27D0-F48A-0B2C-02104CA141D4}"/>
+          </ac:spMkLst>
+        </pc:spChg>
+        <pc:spChg chg="add mod">
+          <ac:chgData name="Martin Gremeaux-Bader" userId="b22552c5-8c31-49a1-9339-d3b2c60ed786" providerId="ADAL" clId="{2B3A6DBD-6178-9146-A27C-9603072F223C}" dt="2024-02-20T08:31:36.064" v="75" actId="122"/>
+          <ac:spMkLst>
+            <pc:docMk/>
+            <pc:sldMk cId="2822125265" sldId="257"/>
+            <ac:spMk id="24" creationId="{A7F94DD6-992C-0473-7468-CC3C139D84B5}"/>
+          </ac:spMkLst>
+        </pc:spChg>
+        <pc:spChg chg="add mod">
+          <ac:chgData name="Martin Gremeaux-Bader" userId="b22552c5-8c31-49a1-9339-d3b2c60ed786" providerId="ADAL" clId="{2B3A6DBD-6178-9146-A27C-9603072F223C}" dt="2024-02-20T08:32:00.165" v="81" actId="20577"/>
+          <ac:spMkLst>
+            <pc:docMk/>
+            <pc:sldMk cId="2822125265" sldId="257"/>
+            <ac:spMk id="25" creationId="{0902EBA6-7DAF-97B3-9B31-69C9F4D28BF1}"/>
+          </ac:spMkLst>
+        </pc:spChg>
+        <pc:spChg chg="add mod">
+          <ac:chgData name="Martin Gremeaux-Bader" userId="b22552c5-8c31-49a1-9339-d3b2c60ed786" providerId="ADAL" clId="{2B3A6DBD-6178-9146-A27C-9603072F223C}" dt="2024-02-20T08:31:36.064" v="75" actId="122"/>
+          <ac:spMkLst>
+            <pc:docMk/>
+            <pc:sldMk cId="2822125265" sldId="257"/>
+            <ac:spMk id="26" creationId="{F02D5976-14A4-B064-2246-A2E33BDB2F31}"/>
+          </ac:spMkLst>
+        </pc:spChg>
+        <pc:spChg chg="add mod">
+          <ac:chgData name="Martin Gremeaux-Bader" userId="b22552c5-8c31-49a1-9339-d3b2c60ed786" providerId="ADAL" clId="{2B3A6DBD-6178-9146-A27C-9603072F223C}" dt="2024-02-20T08:31:57.313" v="79" actId="20577"/>
+          <ac:spMkLst>
+            <pc:docMk/>
+            <pc:sldMk cId="2822125265" sldId="257"/>
+            <ac:spMk id="27" creationId="{D9CEFCE4-5ABC-08F7-5DCD-6FE81F421765}"/>
+          </ac:spMkLst>
+        </pc:spChg>
+        <pc:spChg chg="add mod">
+          <ac:chgData name="Martin Gremeaux-Bader" userId="b22552c5-8c31-49a1-9339-d3b2c60ed786" providerId="ADAL" clId="{2B3A6DBD-6178-9146-A27C-9603072F223C}" dt="2024-02-20T08:31:36.064" v="75" actId="122"/>
+          <ac:spMkLst>
+            <pc:docMk/>
+            <pc:sldMk cId="2822125265" sldId="257"/>
+            <ac:spMk id="28" creationId="{62BD9C9D-C227-8D87-4B21-2FAFD1327BEE}"/>
+          </ac:spMkLst>
+        </pc:spChg>
+        <pc:spChg chg="add mod">
+          <ac:chgData name="Martin Gremeaux-Bader" userId="b22552c5-8c31-49a1-9339-d3b2c60ed786" providerId="ADAL" clId="{2B3A6DBD-6178-9146-A27C-9603072F223C}" dt="2024-02-20T08:32:05.772" v="85" actId="20577"/>
+          <ac:spMkLst>
+            <pc:docMk/>
+            <pc:sldMk cId="2822125265" sldId="257"/>
+            <ac:spMk id="29" creationId="{5B000F41-D185-CC7B-FB83-0F9F9EF286D5}"/>
+          </ac:spMkLst>
+        </pc:spChg>
+        <pc:spChg chg="add mod">
+          <ac:chgData name="Martin Gremeaux-Bader" userId="b22552c5-8c31-49a1-9339-d3b2c60ed786" providerId="ADAL" clId="{2B3A6DBD-6178-9146-A27C-9603072F223C}" dt="2024-02-20T08:31:36.064" v="75" actId="122"/>
+          <ac:spMkLst>
+            <pc:docMk/>
+            <pc:sldMk cId="2822125265" sldId="257"/>
+            <ac:spMk id="30" creationId="{82474360-40BD-64AB-94FC-D980B14C7233}"/>
+          </ac:spMkLst>
+        </pc:spChg>
+        <pc:spChg chg="add mod">
+          <ac:chgData name="Martin Gremeaux-Bader" userId="b22552c5-8c31-49a1-9339-d3b2c60ed786" providerId="ADAL" clId="{2B3A6DBD-6178-9146-A27C-9603072F223C}" dt="2024-02-20T08:32:02.868" v="83" actId="20577"/>
+          <ac:spMkLst>
+            <pc:docMk/>
+            <pc:sldMk cId="2822125265" sldId="257"/>
+            <ac:spMk id="31" creationId="{4E30D255-294C-343B-F53D-728266EA4FA6}"/>
+          </ac:spMkLst>
+        </pc:spChg>
+        <pc:spChg chg="add mod">
+          <ac:chgData name="Martin Gremeaux-Bader" userId="b22552c5-8c31-49a1-9339-d3b2c60ed786" providerId="ADAL" clId="{2B3A6DBD-6178-9146-A27C-9603072F223C}" dt="2024-02-20T08:31:36.064" v="75" actId="122"/>
+          <ac:spMkLst>
+            <pc:docMk/>
+            <pc:sldMk cId="2822125265" sldId="257"/>
+            <ac:spMk id="32" creationId="{821BCFD3-AACE-2DE2-1CB4-E9E4399953B7}"/>
+          </ac:spMkLst>
+        </pc:spChg>
+        <pc:spChg chg="add mod">
+          <ac:chgData name="Martin Gremeaux-Bader" userId="b22552c5-8c31-49a1-9339-d3b2c60ed786" providerId="ADAL" clId="{2B3A6DBD-6178-9146-A27C-9603072F223C}" dt="2024-02-20T08:32:11.281" v="89" actId="20577"/>
+          <ac:spMkLst>
+            <pc:docMk/>
+            <pc:sldMk cId="2822125265" sldId="257"/>
+            <ac:spMk id="33" creationId="{EBB9ABE7-14E1-A8A3-2E25-51CF7EB0158D}"/>
+          </ac:spMkLst>
+        </pc:spChg>
+        <pc:spChg chg="add mod">
+          <ac:chgData name="Martin Gremeaux-Bader" userId="b22552c5-8c31-49a1-9339-d3b2c60ed786" providerId="ADAL" clId="{2B3A6DBD-6178-9146-A27C-9603072F223C}" dt="2024-02-20T08:31:36.064" v="75" actId="122"/>
+          <ac:spMkLst>
+            <pc:docMk/>
+            <pc:sldMk cId="2822125265" sldId="257"/>
+            <ac:spMk id="34" creationId="{5EF3CE68-70B3-7510-5E69-3987F7E9DA36}"/>
+          </ac:spMkLst>
+        </pc:spChg>
+        <pc:spChg chg="add mod">
+          <ac:chgData name="Martin Gremeaux-Bader" userId="b22552c5-8c31-49a1-9339-d3b2c60ed786" providerId="ADAL" clId="{2B3A6DBD-6178-9146-A27C-9603072F223C}" dt="2024-02-20T08:32:08.312" v="87" actId="20577"/>
+          <ac:spMkLst>
+            <pc:docMk/>
+            <pc:sldMk cId="2822125265" sldId="257"/>
+            <ac:spMk id="35" creationId="{0F8256F1-BE72-BA7C-F9F9-3486AEEAB342}"/>
+          </ac:spMkLst>
+        </pc:spChg>
+        <pc:spChg chg="add mod">
+          <ac:chgData name="Martin Gremeaux-Bader" userId="b22552c5-8c31-49a1-9339-d3b2c60ed786" providerId="ADAL" clId="{2B3A6DBD-6178-9146-A27C-9603072F223C}" dt="2024-02-20T08:31:36.064" v="75" actId="122"/>
+          <ac:spMkLst>
+            <pc:docMk/>
+            <pc:sldMk cId="2822125265" sldId="257"/>
+            <ac:spMk id="36" creationId="{CEF8AAB8-74C8-856F-3123-DD416F297D00}"/>
+          </ac:spMkLst>
+        </pc:spChg>
+        <pc:spChg chg="add mod">
+          <ac:chgData name="Martin Gremeaux-Bader" userId="b22552c5-8c31-49a1-9339-d3b2c60ed786" providerId="ADAL" clId="{2B3A6DBD-6178-9146-A27C-9603072F223C}" dt="2024-02-20T08:32:17.445" v="93" actId="20577"/>
+          <ac:spMkLst>
+            <pc:docMk/>
+            <pc:sldMk cId="2822125265" sldId="257"/>
+            <ac:spMk id="37" creationId="{385842CD-BDB0-1C56-9EDF-E106FB223BE4}"/>
+          </ac:spMkLst>
+        </pc:spChg>
+        <pc:spChg chg="add mod">
+          <ac:chgData name="Martin Gremeaux-Bader" userId="b22552c5-8c31-49a1-9339-d3b2c60ed786" providerId="ADAL" clId="{2B3A6DBD-6178-9146-A27C-9603072F223C}" dt="2024-02-20T08:31:36.064" v="75" actId="122"/>
+          <ac:spMkLst>
+            <pc:docMk/>
+            <pc:sldMk cId="2822125265" sldId="257"/>
+            <ac:spMk id="38" creationId="{FE52DFE8-80CD-7225-BF44-C85A287FFD54}"/>
+          </ac:spMkLst>
+        </pc:spChg>
+        <pc:spChg chg="add mod">
+          <ac:chgData name="Martin Gremeaux-Bader" userId="b22552c5-8c31-49a1-9339-d3b2c60ed786" providerId="ADAL" clId="{2B3A6DBD-6178-9146-A27C-9603072F223C}" dt="2024-02-20T08:32:14.683" v="91" actId="20577"/>
+          <ac:spMkLst>
+            <pc:docMk/>
+            <pc:sldMk cId="2822125265" sldId="257"/>
+            <ac:spMk id="39" creationId="{114DF4D9-1932-871F-CDA2-5EF0861CA801}"/>
+          </ac:spMkLst>
+        </pc:spChg>
+        <pc:spChg chg="add mod">
+          <ac:chgData name="Martin Gremeaux-Bader" userId="b22552c5-8c31-49a1-9339-d3b2c60ed786" providerId="ADAL" clId="{2B3A6DBD-6178-9146-A27C-9603072F223C}" dt="2024-02-20T08:31:36.064" v="75" actId="122"/>
+          <ac:spMkLst>
+            <pc:docMk/>
+            <pc:sldMk cId="2822125265" sldId="257"/>
+            <ac:spMk id="40" creationId="{830A2D25-1C49-411A-CE6B-C807744A4385}"/>
+          </ac:spMkLst>
+        </pc:spChg>
+        <pc:spChg chg="add mod">
+          <ac:chgData name="Martin Gremeaux-Bader" userId="b22552c5-8c31-49a1-9339-d3b2c60ed786" providerId="ADAL" clId="{2B3A6DBD-6178-9146-A27C-9603072F223C}" dt="2024-02-20T08:32:22.511" v="97" actId="20577"/>
+          <ac:spMkLst>
+            <pc:docMk/>
+            <pc:sldMk cId="2822125265" sldId="257"/>
+            <ac:spMk id="41" creationId="{E7498108-05CD-C243-B119-A0D2E7ACC9E0}"/>
+          </ac:spMkLst>
+        </pc:spChg>
+        <pc:spChg chg="add mod">
+          <ac:chgData name="Martin Gremeaux-Bader" userId="b22552c5-8c31-49a1-9339-d3b2c60ed786" providerId="ADAL" clId="{2B3A6DBD-6178-9146-A27C-9603072F223C}" dt="2024-02-20T08:31:36.064" v="75" actId="122"/>
+          <ac:spMkLst>
+            <pc:docMk/>
+            <pc:sldMk cId="2822125265" sldId="257"/>
+            <ac:spMk id="42" creationId="{19D79A97-2B2E-F656-237A-AB3A2BF36C03}"/>
+          </ac:spMkLst>
+        </pc:spChg>
+        <pc:spChg chg="add mod">
+          <ac:chgData name="Martin Gremeaux-Bader" userId="b22552c5-8c31-49a1-9339-d3b2c60ed786" providerId="ADAL" clId="{2B3A6DBD-6178-9146-A27C-9603072F223C}" dt="2024-02-20T08:32:19.923" v="95" actId="20577"/>
+          <ac:spMkLst>
+            <pc:docMk/>
+            <pc:sldMk cId="2822125265" sldId="257"/>
+            <ac:spMk id="43" creationId="{971567DA-9273-E8E8-9430-794A2B3FD7F9}"/>
+          </ac:spMkLst>
+        </pc:spChg>
+        <pc:spChg chg="add mod">
+          <ac:chgData name="Martin Gremeaux-Bader" userId="b22552c5-8c31-49a1-9339-d3b2c60ed786" providerId="ADAL" clId="{2B3A6DBD-6178-9146-A27C-9603072F223C}" dt="2024-02-20T08:31:36.064" v="75" actId="122"/>
+          <ac:spMkLst>
+            <pc:docMk/>
+            <pc:sldMk cId="2822125265" sldId="257"/>
+            <ac:spMk id="44" creationId="{291430A1-F414-1D18-059A-22284588450C}"/>
+          </ac:spMkLst>
+        </pc:spChg>
+        <pc:spChg chg="add mod">
+          <ac:chgData name="Martin Gremeaux-Bader" userId="b22552c5-8c31-49a1-9339-d3b2c60ed786" providerId="ADAL" clId="{2B3A6DBD-6178-9146-A27C-9603072F223C}" dt="2024-02-20T08:32:28.467" v="101" actId="20577"/>
+          <ac:spMkLst>
+            <pc:docMk/>
+            <pc:sldMk cId="2822125265" sldId="257"/>
+            <ac:spMk id="45" creationId="{7E78DAF3-6D82-2CBC-74D2-F0A6281860CA}"/>
+          </ac:spMkLst>
+        </pc:spChg>
+        <pc:spChg chg="add mod">
+          <ac:chgData name="Martin Gremeaux-Bader" userId="b22552c5-8c31-49a1-9339-d3b2c60ed786" providerId="ADAL" clId="{2B3A6DBD-6178-9146-A27C-9603072F223C}" dt="2024-02-20T08:31:36.064" v="75" actId="122"/>
+          <ac:spMkLst>
+            <pc:docMk/>
+            <pc:sldMk cId="2822125265" sldId="257"/>
+            <ac:spMk id="46" creationId="{B1219FF7-0FB3-1C26-C80A-72A9B6BBDEF3}"/>
+          </ac:spMkLst>
+        </pc:spChg>
+        <pc:spChg chg="add mod">
+          <ac:chgData name="Martin Gremeaux-Bader" userId="b22552c5-8c31-49a1-9339-d3b2c60ed786" providerId="ADAL" clId="{2B3A6DBD-6178-9146-A27C-9603072F223C}" dt="2024-02-20T08:32:24.951" v="99" actId="20577"/>
+          <ac:spMkLst>
+            <pc:docMk/>
+            <pc:sldMk cId="2822125265" sldId="257"/>
+            <ac:spMk id="47" creationId="{411F27D7-34DE-5328-809E-66ABB8C9A56C}"/>
+          </ac:spMkLst>
+        </pc:spChg>
+        <pc:spChg chg="add mod">
+          <ac:chgData name="Martin Gremeaux-Bader" userId="b22552c5-8c31-49a1-9339-d3b2c60ed786" providerId="ADAL" clId="{2B3A6DBD-6178-9146-A27C-9603072F223C}" dt="2024-02-20T08:31:36.064" v="75" actId="122"/>
+          <ac:spMkLst>
+            <pc:docMk/>
+            <pc:sldMk cId="2822125265" sldId="257"/>
+            <ac:spMk id="48" creationId="{D08E65B2-F273-7A50-2B8C-812926B86E64}"/>
+          </ac:spMkLst>
+        </pc:spChg>
+        <pc:spChg chg="add mod">
+          <ac:chgData name="Martin Gremeaux-Bader" userId="b22552c5-8c31-49a1-9339-d3b2c60ed786" providerId="ADAL" clId="{2B3A6DBD-6178-9146-A27C-9603072F223C}" dt="2024-02-20T08:32:34.752" v="105" actId="20577"/>
+          <ac:spMkLst>
+            <pc:docMk/>
+            <pc:sldMk cId="2822125265" sldId="257"/>
+            <ac:spMk id="49" creationId="{3A1BD481-2ED9-B15F-AE71-E25227920548}"/>
+          </ac:spMkLst>
+        </pc:spChg>
+        <pc:spChg chg="add mod">
+          <ac:chgData name="Martin Gremeaux-Bader" userId="b22552c5-8c31-49a1-9339-d3b2c60ed786" providerId="ADAL" clId="{2B3A6DBD-6178-9146-A27C-9603072F223C}" dt="2024-02-20T08:31:36.064" v="75" actId="122"/>
+          <ac:spMkLst>
+            <pc:docMk/>
+            <pc:sldMk cId="2822125265" sldId="257"/>
+            <ac:spMk id="50" creationId="{3564E75E-FA76-00D0-D035-E30BAACF760B}"/>
+          </ac:spMkLst>
+        </pc:spChg>
+        <pc:spChg chg="add mod">
+          <ac:chgData name="Martin Gremeaux-Bader" userId="b22552c5-8c31-49a1-9339-d3b2c60ed786" providerId="ADAL" clId="{2B3A6DBD-6178-9146-A27C-9603072F223C}" dt="2024-02-20T08:32:31.569" v="103" actId="20577"/>
+          <ac:spMkLst>
+            <pc:docMk/>
+            <pc:sldMk cId="2822125265" sldId="257"/>
+            <ac:spMk id="51" creationId="{042C1AB7-A02A-29C2-C45C-77436E4001D1}"/>
+          </ac:spMkLst>
+        </pc:spChg>
+        <pc:spChg chg="add mod">
+          <ac:chgData name="Martin Gremeaux-Bader" userId="b22552c5-8c31-49a1-9339-d3b2c60ed786" providerId="ADAL" clId="{2B3A6DBD-6178-9146-A27C-9603072F223C}" dt="2024-02-20T08:31:36.064" v="75" actId="122"/>
+          <ac:spMkLst>
+            <pc:docMk/>
+            <pc:sldMk cId="2822125265" sldId="257"/>
+            <ac:spMk id="52" creationId="{7B20F788-2C4C-366B-3D10-F2CEF1895D88}"/>
+          </ac:spMkLst>
+        </pc:spChg>
+        <pc:spChg chg="add mod">
+          <ac:chgData name="Martin Gremeaux-Bader" userId="b22552c5-8c31-49a1-9339-d3b2c60ed786" providerId="ADAL" clId="{2B3A6DBD-6178-9146-A27C-9603072F223C}" dt="2024-02-20T08:32:40.929" v="109" actId="20577"/>
+          <ac:spMkLst>
+            <pc:docMk/>
+            <pc:sldMk cId="2822125265" sldId="257"/>
+            <ac:spMk id="53" creationId="{850DBEFB-A8D1-8373-96F4-7F84B9C1B755}"/>
+          </ac:spMkLst>
+        </pc:spChg>
+        <pc:spChg chg="add mod">
+          <ac:chgData name="Martin Gremeaux-Bader" userId="b22552c5-8c31-49a1-9339-d3b2c60ed786" providerId="ADAL" clId="{2B3A6DBD-6178-9146-A27C-9603072F223C}" dt="2024-02-20T08:31:36.064" v="75" actId="122"/>
+          <ac:spMkLst>
+            <pc:docMk/>
+            <pc:sldMk cId="2822125265" sldId="257"/>
+            <ac:spMk id="54" creationId="{EE35F6A5-A9AF-EDA4-33A2-8EBC276E7186}"/>
+          </ac:spMkLst>
+        </pc:spChg>
+        <pc:spChg chg="add mod">
+          <ac:chgData name="Martin Gremeaux-Bader" userId="b22552c5-8c31-49a1-9339-d3b2c60ed786" providerId="ADAL" clId="{2B3A6DBD-6178-9146-A27C-9603072F223C}" dt="2024-02-20T08:32:37.762" v="107" actId="20577"/>
+          <ac:spMkLst>
+            <pc:docMk/>
+            <pc:sldMk cId="2822125265" sldId="257"/>
+            <ac:spMk id="55" creationId="{D8CC603C-A4C9-33EC-2B51-52879103B4E6}"/>
+          </ac:spMkLst>
+        </pc:spChg>
+        <pc:spChg chg="add mod">
+          <ac:chgData name="Martin Gremeaux-Bader" userId="b22552c5-8c31-49a1-9339-d3b2c60ed786" providerId="ADAL" clId="{2B3A6DBD-6178-9146-A27C-9603072F223C}" dt="2024-02-20T08:31:36.064" v="75" actId="122"/>
+          <ac:spMkLst>
+            <pc:docMk/>
+            <pc:sldMk cId="2822125265" sldId="257"/>
+            <ac:spMk id="56" creationId="{D19BA9EC-A377-6005-805A-96BE0EB85201}"/>
+          </ac:spMkLst>
+        </pc:spChg>
+        <pc:spChg chg="add mod">
+          <ac:chgData name="Martin Gremeaux-Bader" userId="b22552c5-8c31-49a1-9339-d3b2c60ed786" providerId="ADAL" clId="{2B3A6DBD-6178-9146-A27C-9603072F223C}" dt="2024-02-20T08:31:36.064" v="75" actId="122"/>
+          <ac:spMkLst>
+            <pc:docMk/>
+            <pc:sldMk cId="2822125265" sldId="257"/>
+            <ac:spMk id="57" creationId="{3895DE30-D290-1122-C509-B8D70319DD6C}"/>
+          </ac:spMkLst>
+        </pc:spChg>
+        <pc:spChg chg="add mod">
+          <ac:chgData name="Martin Gremeaux-Bader" userId="b22552c5-8c31-49a1-9339-d3b2c60ed786" providerId="ADAL" clId="{2B3A6DBD-6178-9146-A27C-9603072F223C}" dt="2024-02-20T08:31:36.064" v="75" actId="122"/>
+          <ac:spMkLst>
+            <pc:docMk/>
+            <pc:sldMk cId="2822125265" sldId="257"/>
+            <ac:spMk id="58" creationId="{EB2878CC-4FFD-2366-DC99-C8B6923BF363}"/>
+          </ac:spMkLst>
+        </pc:spChg>
+        <pc:spChg chg="add mod">
+          <ac:chgData name="Martin Gremeaux-Bader" userId="b22552c5-8c31-49a1-9339-d3b2c60ed786" providerId="ADAL" clId="{2B3A6DBD-6178-9146-A27C-9603072F223C}" dt="2024-02-20T08:33:50.713" v="115" actId="1076"/>
+          <ac:spMkLst>
+            <pc:docMk/>
+            <pc:sldMk cId="2822125265" sldId="257"/>
+            <ac:spMk id="59" creationId="{3C782A3A-2CD8-838D-3991-436A0BF7F8D1}"/>
+          </ac:spMkLst>
+        </pc:spChg>
+        <pc:spChg chg="add mod">
+          <ac:chgData name="Martin Gremeaux-Bader" userId="b22552c5-8c31-49a1-9339-d3b2c60ed786" providerId="ADAL" clId="{2B3A6DBD-6178-9146-A27C-9603072F223C}" dt="2024-02-20T08:31:36.064" v="75" actId="122"/>
+          <ac:spMkLst>
+            <pc:docMk/>
+            <pc:sldMk cId="2822125265" sldId="257"/>
+            <ac:spMk id="60" creationId="{C8F4FBD7-A676-328E-8149-6D1342EE8061}"/>
+          </ac:spMkLst>
+        </pc:spChg>
+        <pc:spChg chg="add mod">
+          <ac:chgData name="Martin Gremeaux-Bader" userId="b22552c5-8c31-49a1-9339-d3b2c60ed786" providerId="ADAL" clId="{2B3A6DBD-6178-9146-A27C-9603072F223C}" dt="2024-02-20T08:31:36.064" v="75" actId="122"/>
+          <ac:spMkLst>
+            <pc:docMk/>
+            <pc:sldMk cId="2822125265" sldId="257"/>
+            <ac:spMk id="61" creationId="{74A5D334-38A3-9844-3548-DDB2769885F6}"/>
+          </ac:spMkLst>
+        </pc:spChg>
+        <pc:spChg chg="add mod">
+          <ac:chgData name="Martin Gremeaux-Bader" userId="b22552c5-8c31-49a1-9339-d3b2c60ed786" providerId="ADAL" clId="{2B3A6DBD-6178-9146-A27C-9603072F223C}" dt="2024-02-20T08:31:36.064" v="75" actId="122"/>
+          <ac:spMkLst>
+            <pc:docMk/>
+            <pc:sldMk cId="2822125265" sldId="257"/>
+            <ac:spMk id="62" creationId="{09CF0121-FC07-1BB1-F00C-1E238E85379F}"/>
+          </ac:spMkLst>
+        </pc:spChg>
+        <pc:spChg chg="add mod">
+          <ac:chgData name="Martin Gremeaux-Bader" userId="b22552c5-8c31-49a1-9339-d3b2c60ed786" providerId="ADAL" clId="{2B3A6DBD-6178-9146-A27C-9603072F223C}" dt="2024-02-20T08:31:36.064" v="75" actId="122"/>
+          <ac:spMkLst>
+            <pc:docMk/>
+            <pc:sldMk cId="2822125265" sldId="257"/>
+            <ac:spMk id="63" creationId="{7CD44B6C-D166-61AE-235D-685DEEBF516B}"/>
+          </ac:spMkLst>
+        </pc:spChg>
+        <pc:spChg chg="add mod">
+          <ac:chgData name="Martin Gremeaux-Bader" userId="b22552c5-8c31-49a1-9339-d3b2c60ed786" providerId="ADAL" clId="{2B3A6DBD-6178-9146-A27C-9603072F223C}" dt="2024-02-20T08:31:36.064" v="75" actId="122"/>
+          <ac:spMkLst>
+            <pc:docMk/>
+            <pc:sldMk cId="2822125265" sldId="257"/>
+            <ac:spMk id="64" creationId="{BC456DE0-CFD5-3A3D-6A0E-E792E8DD03B5}"/>
+          </ac:spMkLst>
+        </pc:spChg>
+        <pc:spChg chg="add mod">
+          <ac:chgData name="Martin Gremeaux-Bader" userId="b22552c5-8c31-49a1-9339-d3b2c60ed786" providerId="ADAL" clId="{2B3A6DBD-6178-9146-A27C-9603072F223C}" dt="2024-02-20T08:31:36.064" v="75" actId="122"/>
+          <ac:spMkLst>
+            <pc:docMk/>
+            <pc:sldMk cId="2822125265" sldId="257"/>
+            <ac:spMk id="65" creationId="{49209C7C-0ABA-FA99-4322-AC62790FA4D6}"/>
+          </ac:spMkLst>
+        </pc:spChg>
+        <pc:spChg chg="add mod">
+          <ac:chgData name="Martin Gremeaux-Bader" userId="b22552c5-8c31-49a1-9339-d3b2c60ed786" providerId="ADAL" clId="{2B3A6DBD-6178-9146-A27C-9603072F223C}" dt="2024-02-20T08:31:36.064" v="75" actId="122"/>
+          <ac:spMkLst>
+            <pc:docMk/>
+            <pc:sldMk cId="2822125265" sldId="257"/>
+            <ac:spMk id="66" creationId="{F1270558-FC47-A4C0-C515-CF38CC77A1CE}"/>
+          </ac:spMkLst>
+        </pc:spChg>
+        <pc:spChg chg="add mod">
+          <ac:chgData name="Martin Gremeaux-Bader" userId="b22552c5-8c31-49a1-9339-d3b2c60ed786" providerId="ADAL" clId="{2B3A6DBD-6178-9146-A27C-9603072F223C}" dt="2024-02-20T08:31:36.064" v="75" actId="122"/>
+          <ac:spMkLst>
+            <pc:docMk/>
+            <pc:sldMk cId="2822125265" sldId="257"/>
+            <ac:spMk id="67" creationId="{8C57A9E4-2B8F-E659-A085-B73C4B5F5F8B}"/>
+          </ac:spMkLst>
+        </pc:spChg>
+        <pc:spChg chg="add mod">
+          <ac:chgData name="Martin Gremeaux-Bader" userId="b22552c5-8c31-49a1-9339-d3b2c60ed786" providerId="ADAL" clId="{2B3A6DBD-6178-9146-A27C-9603072F223C}" dt="2024-02-20T08:31:36.064" v="75" actId="122"/>
+          <ac:spMkLst>
+            <pc:docMk/>
+            <pc:sldMk cId="2822125265" sldId="257"/>
+            <ac:spMk id="68" creationId="{802581DA-080B-D6A1-50B7-70276572E518}"/>
+          </ac:spMkLst>
+        </pc:spChg>
+        <pc:spChg chg="add mod">
+          <ac:chgData name="Martin Gremeaux-Bader" userId="b22552c5-8c31-49a1-9339-d3b2c60ed786" providerId="ADAL" clId="{2B3A6DBD-6178-9146-A27C-9603072F223C}" dt="2024-02-20T08:31:36.064" v="75" actId="122"/>
+          <ac:spMkLst>
+            <pc:docMk/>
+            <pc:sldMk cId="2822125265" sldId="257"/>
+            <ac:spMk id="69" creationId="{5CEEA058-D4D6-54C6-6BF8-AC3E3A32DED9}"/>
+          </ac:spMkLst>
+        </pc:spChg>
+        <pc:spChg chg="add mod">
+          <ac:chgData name="Martin Gremeaux-Bader" userId="b22552c5-8c31-49a1-9339-d3b2c60ed786" providerId="ADAL" clId="{2B3A6DBD-6178-9146-A27C-9603072F223C}" dt="2024-02-20T08:31:36.064" v="75" actId="122"/>
+          <ac:spMkLst>
+            <pc:docMk/>
+            <pc:sldMk cId="2822125265" sldId="257"/>
+            <ac:spMk id="70" creationId="{7FE897E8-EB9C-9095-889D-856C2A8C617F}"/>
+          </ac:spMkLst>
+        </pc:spChg>
+        <pc:spChg chg="add mod">
+          <ac:chgData name="Martin Gremeaux-Bader" userId="b22552c5-8c31-49a1-9339-d3b2c60ed786" providerId="ADAL" clId="{2B3A6DBD-6178-9146-A27C-9603072F223C}" dt="2024-02-20T08:31:36.064" v="75" actId="122"/>
+          <ac:spMkLst>
+            <pc:docMk/>
+            <pc:sldMk cId="2822125265" sldId="257"/>
+            <ac:spMk id="71" creationId="{71F1B319-4745-460A-E008-20EA70EEA69E}"/>
+          </ac:spMkLst>
+        </pc:spChg>
+        <pc:spChg chg="add mod">
+          <ac:chgData name="Martin Gremeaux-Bader" userId="b22552c5-8c31-49a1-9339-d3b2c60ed786" providerId="ADAL" clId="{2B3A6DBD-6178-9146-A27C-9603072F223C}" dt="2024-02-20T08:31:36.064" v="75" actId="122"/>
+          <ac:spMkLst>
+            <pc:docMk/>
+            <pc:sldMk cId="2822125265" sldId="257"/>
+            <ac:spMk id="72" creationId="{2D82076D-73A1-45F3-3610-A4A2372D5E70}"/>
+          </ac:spMkLst>
+        </pc:spChg>
+        <pc:spChg chg="add mod">
+          <ac:chgData name="Martin Gremeaux-Bader" userId="b22552c5-8c31-49a1-9339-d3b2c60ed786" providerId="ADAL" clId="{2B3A6DBD-6178-9146-A27C-9603072F223C}" dt="2024-02-20T08:31:36.064" v="75" actId="122"/>
+          <ac:spMkLst>
+            <pc:docMk/>
+            <pc:sldMk cId="2822125265" sldId="257"/>
+            <ac:spMk id="73" creationId="{D117FE93-4A4A-6BAC-729F-5241EC144DFE}"/>
+          </ac:spMkLst>
+        </pc:spChg>
+        <pc:spChg chg="add mod">
+          <ac:chgData name="Martin Gremeaux-Bader" userId="b22552c5-8c31-49a1-9339-d3b2c60ed786" providerId="ADAL" clId="{2B3A6DBD-6178-9146-A27C-9603072F223C}" dt="2024-02-20T08:31:36.064" v="75" actId="122"/>
+          <ac:spMkLst>
+            <pc:docMk/>
+            <pc:sldMk cId="2822125265" sldId="257"/>
+            <ac:spMk id="74" creationId="{4925030D-41D2-BBF8-601E-9804D610C273}"/>
+          </ac:spMkLst>
+        </pc:spChg>
+        <pc:spChg chg="add mod">
+          <ac:chgData name="Martin Gremeaux-Bader" userId="b22552c5-8c31-49a1-9339-d3b2c60ed786" providerId="ADAL" clId="{2B3A6DBD-6178-9146-A27C-9603072F223C}" dt="2024-02-20T08:31:36.064" v="75" actId="122"/>
+          <ac:spMkLst>
+            <pc:docMk/>
+            <pc:sldMk cId="2822125265" sldId="257"/>
+            <ac:spMk id="75" creationId="{1B75DEC8-F28D-3E63-F5A7-BB6420336DD6}"/>
+          </ac:spMkLst>
+        </pc:spChg>
+        <pc:spChg chg="add mod">
+          <ac:chgData name="Martin Gremeaux-Bader" userId="b22552c5-8c31-49a1-9339-d3b2c60ed786" providerId="ADAL" clId="{2B3A6DBD-6178-9146-A27C-9603072F223C}" dt="2024-02-20T08:31:36.064" v="75" actId="122"/>
+          <ac:spMkLst>
+            <pc:docMk/>
+            <pc:sldMk cId="2822125265" sldId="257"/>
+            <ac:spMk id="76" creationId="{E704AFF7-D6EE-D09D-EB55-C8082B260987}"/>
+          </ac:spMkLst>
+        </pc:spChg>
+        <pc:spChg chg="add mod">
+          <ac:chgData name="Martin Gremeaux-Bader" userId="b22552c5-8c31-49a1-9339-d3b2c60ed786" providerId="ADAL" clId="{2B3A6DBD-6178-9146-A27C-9603072F223C}" dt="2024-02-20T08:31:36.064" v="75" actId="122"/>
+          <ac:spMkLst>
+            <pc:docMk/>
+            <pc:sldMk cId="2822125265" sldId="257"/>
+            <ac:spMk id="77" creationId="{82E6393E-6A57-BA20-CB7F-C513104918F8}"/>
+          </ac:spMkLst>
+        </pc:spChg>
+        <pc:spChg chg="add mod">
+          <ac:chgData name="Martin Gremeaux-Bader" userId="b22552c5-8c31-49a1-9339-d3b2c60ed786" providerId="ADAL" clId="{2B3A6DBD-6178-9146-A27C-9603072F223C}" dt="2024-02-20T08:31:36.064" v="75" actId="122"/>
+          <ac:spMkLst>
+            <pc:docMk/>
+            <pc:sldMk cId="2822125265" sldId="257"/>
+            <ac:spMk id="78" creationId="{760EF51A-3B2D-B56B-DDF5-918BCBFB21EA}"/>
+          </ac:spMkLst>
+        </pc:spChg>
+        <pc:spChg chg="add mod">
+          <ac:chgData name="Martin Gremeaux-Bader" userId="b22552c5-8c31-49a1-9339-d3b2c60ed786" providerId="ADAL" clId="{2B3A6DBD-6178-9146-A27C-9603072F223C}" dt="2024-02-20T08:31:36.064" v="75" actId="122"/>
+          <ac:spMkLst>
+            <pc:docMk/>
+            <pc:sldMk cId="2822125265" sldId="257"/>
+            <ac:spMk id="79" creationId="{2A575BC8-D737-88F9-F276-D7758B3F461C}"/>
+          </ac:spMkLst>
+        </pc:spChg>
+        <pc:spChg chg="add mod">
+          <ac:chgData name="Martin Gremeaux-Bader" userId="b22552c5-8c31-49a1-9339-d3b2c60ed786" providerId="ADAL" clId="{2B3A6DBD-6178-9146-A27C-9603072F223C}" dt="2024-02-20T08:31:36.064" v="75" actId="122"/>
+          <ac:spMkLst>
+            <pc:docMk/>
+            <pc:sldMk cId="2822125265" sldId="257"/>
+            <ac:spMk id="80" creationId="{18A37725-37FB-F5FB-5159-B92D39B30CD3}"/>
+          </ac:spMkLst>
+        </pc:spChg>
+        <pc:spChg chg="add mod">
+          <ac:chgData name="Martin Gremeaux-Bader" userId="b22552c5-8c31-49a1-9339-d3b2c60ed786" providerId="ADAL" clId="{2B3A6DBD-6178-9146-A27C-9603072F223C}" dt="2024-02-20T08:31:36.064" v="75" actId="122"/>
+          <ac:spMkLst>
+            <pc:docMk/>
+            <pc:sldMk cId="2822125265" sldId="257"/>
+            <ac:spMk id="81" creationId="{C4163783-D477-D125-7352-DA5DC6F1B5B3}"/>
+          </ac:spMkLst>
+        </pc:spChg>
+        <pc:spChg chg="add mod">
+          <ac:chgData name="Martin Gremeaux-Bader" userId="b22552c5-8c31-49a1-9339-d3b2c60ed786" providerId="ADAL" clId="{2B3A6DBD-6178-9146-A27C-9603072F223C}" dt="2024-02-20T08:31:36.064" v="75" actId="122"/>
+          <ac:spMkLst>
+            <pc:docMk/>
+            <pc:sldMk cId="2822125265" sldId="257"/>
+            <ac:spMk id="82" creationId="{AB433941-7A04-AB07-9B68-05AF58ABBBB9}"/>
+          </ac:spMkLst>
+        </pc:spChg>
+        <pc:spChg chg="add mod">
+          <ac:chgData name="Martin Gremeaux-Bader" userId="b22552c5-8c31-49a1-9339-d3b2c60ed786" providerId="ADAL" clId="{2B3A6DBD-6178-9146-A27C-9603072F223C}" dt="2024-02-20T08:31:36.064" v="75" actId="122"/>
+          <ac:spMkLst>
+            <pc:docMk/>
+            <pc:sldMk cId="2822125265" sldId="257"/>
+            <ac:spMk id="83" creationId="{02C23EE8-A9E1-F1A4-E502-6DF10DD3E1BA}"/>
+          </ac:spMkLst>
+        </pc:spChg>
+        <pc:spChg chg="add del mod">
+          <ac:chgData name="Martin Gremeaux-Bader" userId="b22552c5-8c31-49a1-9339-d3b2c60ed786" providerId="ADAL" clId="{2B3A6DBD-6178-9146-A27C-9603072F223C}" dt="2024-02-20T08:33:03.791" v="112"/>
+          <ac:spMkLst>
+            <pc:docMk/>
+            <pc:sldMk cId="2822125265" sldId="257"/>
+            <ac:spMk id="84" creationId="{5A2CED55-4BA1-2934-B51E-42E7DBCADE8C}"/>
+          </ac:spMkLst>
+        </pc:spChg>
+        <pc:spChg chg="add del mod">
+          <ac:chgData name="Martin Gremeaux-Bader" userId="b22552c5-8c31-49a1-9339-d3b2c60ed786" providerId="ADAL" clId="{2B3A6DBD-6178-9146-A27C-9603072F223C}" dt="2024-02-20T08:33:03.791" v="112"/>
+          <ac:spMkLst>
+            <pc:docMk/>
+            <pc:sldMk cId="2822125265" sldId="257"/>
+            <ac:spMk id="85" creationId="{409CAA12-4D55-9C67-D4FC-74683C07D935}"/>
+          </ac:spMkLst>
+        </pc:spChg>
+        <pc:spChg chg="add del mod">
+          <ac:chgData name="Martin Gremeaux-Bader" userId="b22552c5-8c31-49a1-9339-d3b2c60ed786" providerId="ADAL" clId="{2B3A6DBD-6178-9146-A27C-9603072F223C}" dt="2024-02-20T08:33:03.791" v="112"/>
+          <ac:spMkLst>
+            <pc:docMk/>
+            <pc:sldMk cId="2822125265" sldId="257"/>
+            <ac:spMk id="86" creationId="{CA3346DC-F059-AED3-7850-FE6014F42A00}"/>
+          </ac:spMkLst>
+        </pc:spChg>
+        <pc:spChg chg="add del mod">
+          <ac:chgData name="Martin Gremeaux-Bader" userId="b22552c5-8c31-49a1-9339-d3b2c60ed786" providerId="ADAL" clId="{2B3A6DBD-6178-9146-A27C-9603072F223C}" dt="2024-02-20T08:33:03.791" v="112"/>
+          <ac:spMkLst>
+            <pc:docMk/>
+            <pc:sldMk cId="2822125265" sldId="257"/>
+            <ac:spMk id="87" creationId="{E90958FF-6067-2306-58BD-4559606C7081}"/>
+          </ac:spMkLst>
+        </pc:spChg>
+        <pc:spChg chg="add del mod">
+          <ac:chgData name="Martin Gremeaux-Bader" userId="b22552c5-8c31-49a1-9339-d3b2c60ed786" providerId="ADAL" clId="{2B3A6DBD-6178-9146-A27C-9603072F223C}" dt="2024-02-20T08:33:03.791" v="112"/>
+          <ac:spMkLst>
+            <pc:docMk/>
+            <pc:sldMk cId="2822125265" sldId="257"/>
+            <ac:spMk id="88" creationId="{E9D72230-6572-7AEE-CDC4-CDD33E9B36A2}"/>
+          </ac:spMkLst>
+        </pc:spChg>
+        <pc:spChg chg="add del mod">
+          <ac:chgData name="Martin Gremeaux-Bader" userId="b22552c5-8c31-49a1-9339-d3b2c60ed786" providerId="ADAL" clId="{2B3A6DBD-6178-9146-A27C-9603072F223C}" dt="2024-02-20T08:33:03.791" v="112"/>
+          <ac:spMkLst>
+            <pc:docMk/>
+            <pc:sldMk cId="2822125265" sldId="257"/>
+            <ac:spMk id="89" creationId="{71F737D1-1A2A-0AAC-7AE8-BBCCD9A5675F}"/>
+          </ac:spMkLst>
+        </pc:spChg>
+        <pc:spChg chg="add del mod">
+          <ac:chgData name="Martin Gremeaux-Bader" userId="b22552c5-8c31-49a1-9339-d3b2c60ed786" providerId="ADAL" clId="{2B3A6DBD-6178-9146-A27C-9603072F223C}" dt="2024-02-20T08:33:03.791" v="112"/>
+          <ac:spMkLst>
+            <pc:docMk/>
+            <pc:sldMk cId="2822125265" sldId="257"/>
+            <ac:spMk id="90" creationId="{B11C99A6-C684-B84E-50B1-99979373D31C}"/>
+          </ac:spMkLst>
+        </pc:spChg>
+        <pc:spChg chg="add del mod">
+          <ac:chgData name="Martin Gremeaux-Bader" userId="b22552c5-8c31-49a1-9339-d3b2c60ed786" providerId="ADAL" clId="{2B3A6DBD-6178-9146-A27C-9603072F223C}" dt="2024-02-20T08:33:03.791" v="112"/>
+          <ac:spMkLst>
+            <pc:docMk/>
+            <pc:sldMk cId="2822125265" sldId="257"/>
+            <ac:spMk id="91" creationId="{B359911A-FA70-185C-0ED6-CB02076F684C}"/>
+          </ac:spMkLst>
+        </pc:spChg>
+        <pc:spChg chg="add del mod">
+          <ac:chgData name="Martin Gremeaux-Bader" userId="b22552c5-8c31-49a1-9339-d3b2c60ed786" providerId="ADAL" clId="{2B3A6DBD-6178-9146-A27C-9603072F223C}" dt="2024-02-20T08:33:03.791" v="112"/>
+          <ac:spMkLst>
+            <pc:docMk/>
+            <pc:sldMk cId="2822125265" sldId="257"/>
+            <ac:spMk id="92" creationId="{6709D469-7A40-0EFB-DA0A-65B7CC4306E6}"/>
+          </ac:spMkLst>
+        </pc:spChg>
+        <pc:spChg chg="add del mod">
+          <ac:chgData name="Martin Gremeaux-Bader" userId="b22552c5-8c31-49a1-9339-d3b2c60ed786" providerId="ADAL" clId="{2B3A6DBD-6178-9146-A27C-9603072F223C}" dt="2024-02-20T08:33:03.791" v="112"/>
+          <ac:spMkLst>
+            <pc:docMk/>
+            <pc:sldMk cId="2822125265" sldId="257"/>
+            <ac:spMk id="93" creationId="{F8DD7657-3FBE-17B3-2B50-B4EE2318548F}"/>
+          </ac:spMkLst>
+        </pc:spChg>
+        <pc:spChg chg="add del mod">
+          <ac:chgData name="Martin Gremeaux-Bader" userId="b22552c5-8c31-49a1-9339-d3b2c60ed786" providerId="ADAL" clId="{2B3A6DBD-6178-9146-A27C-9603072F223C}" dt="2024-02-20T08:33:03.791" v="112"/>
+          <ac:spMkLst>
+            <pc:docMk/>
+            <pc:sldMk cId="2822125265" sldId="257"/>
+            <ac:spMk id="94" creationId="{7230EF04-823D-6AEB-43CC-59226B7D5146}"/>
+          </ac:spMkLst>
+        </pc:spChg>
+        <pc:spChg chg="add del mod">
+          <ac:chgData name="Martin Gremeaux-Bader" userId="b22552c5-8c31-49a1-9339-d3b2c60ed786" providerId="ADAL" clId="{2B3A6DBD-6178-9146-A27C-9603072F223C}" dt="2024-02-20T08:33:03.791" v="112"/>
+          <ac:spMkLst>
+            <pc:docMk/>
+            <pc:sldMk cId="2822125265" sldId="257"/>
+            <ac:spMk id="95" creationId="{E2606B52-1EBE-06B2-5641-DFDF011D353D}"/>
+          </ac:spMkLst>
+        </pc:spChg>
+        <pc:spChg chg="add del mod">
+          <ac:chgData name="Martin Gremeaux-Bader" userId="b22552c5-8c31-49a1-9339-d3b2c60ed786" providerId="ADAL" clId="{2B3A6DBD-6178-9146-A27C-9603072F223C}" dt="2024-02-20T08:33:03.791" v="112"/>
+          <ac:spMkLst>
+            <pc:docMk/>
+            <pc:sldMk cId="2822125265" sldId="257"/>
+            <ac:spMk id="96" creationId="{B2696EAF-B305-34A5-6FDA-F860B1D8A13D}"/>
+          </ac:spMkLst>
+        </pc:spChg>
+        <pc:spChg chg="add del mod">
+          <ac:chgData name="Martin Gremeaux-Bader" userId="b22552c5-8c31-49a1-9339-d3b2c60ed786" providerId="ADAL" clId="{2B3A6DBD-6178-9146-A27C-9603072F223C}" dt="2024-02-20T08:33:03.791" v="112"/>
+          <ac:spMkLst>
+            <pc:docMk/>
+            <pc:sldMk cId="2822125265" sldId="257"/>
+            <ac:spMk id="97" creationId="{5241ECFC-9A20-ABC6-2143-FDE8C60D0EDE}"/>
+          </ac:spMkLst>
+        </pc:spChg>
+        <pc:spChg chg="add del mod">
+          <ac:chgData name="Martin Gremeaux-Bader" userId="b22552c5-8c31-49a1-9339-d3b2c60ed786" providerId="ADAL" clId="{2B3A6DBD-6178-9146-A27C-9603072F223C}" dt="2024-02-20T08:33:03.791" v="112"/>
+          <ac:spMkLst>
+            <pc:docMk/>
+            <pc:sldMk cId="2822125265" sldId="257"/>
+            <ac:spMk id="98" creationId="{F97D593A-27E4-BC1D-FF96-93610172DE24}"/>
+          </ac:spMkLst>
+        </pc:spChg>
+        <pc:spChg chg="add del mod">
+          <ac:chgData name="Martin Gremeaux-Bader" userId="b22552c5-8c31-49a1-9339-d3b2c60ed786" providerId="ADAL" clId="{2B3A6DBD-6178-9146-A27C-9603072F223C}" dt="2024-02-20T08:33:03.791" v="112"/>
+          <ac:spMkLst>
+            <pc:docMk/>
+            <pc:sldMk cId="2822125265" sldId="257"/>
+            <ac:spMk id="99" creationId="{61D216C7-11A8-8DA4-988A-FD6157EEAAE7}"/>
+          </ac:spMkLst>
+        </pc:spChg>
+      </pc:sldChg>
+    </pc:docChg>
+  </pc:docChgLst>
 </pc:chgInfo>
 </file>
 
@@ -2003,7 +2808,7 @@
           <a:p>
             <a:fld id="{E5A19FF6-7711-0A42-A72E-099BD2D221EF}" type="datetimeFigureOut">
               <a:rPr lang="fr-FR" smtClean="0"/>
-              <a:t>06/02/2024</a:t>
+              <a:t>20/02/2024</a:t>
             </a:fld>
             <a:endParaRPr lang="fr-FR"/>
           </a:p>
@@ -2201,7 +3006,7 @@
           <a:p>
             <a:fld id="{E5A19FF6-7711-0A42-A72E-099BD2D221EF}" type="datetimeFigureOut">
               <a:rPr lang="fr-FR" smtClean="0"/>
-              <a:t>06/02/2024</a:t>
+              <a:t>20/02/2024</a:t>
             </a:fld>
             <a:endParaRPr lang="fr-FR"/>
           </a:p>
@@ -2409,7 +3214,7 @@
           <a:p>
             <a:fld id="{E5A19FF6-7711-0A42-A72E-099BD2D221EF}" type="datetimeFigureOut">
               <a:rPr lang="fr-FR" smtClean="0"/>
-              <a:t>06/02/2024</a:t>
+              <a:t>20/02/2024</a:t>
             </a:fld>
             <a:endParaRPr lang="fr-FR"/>
           </a:p>
@@ -2607,7 +3412,7 @@
           <a:p>
             <a:fld id="{E5A19FF6-7711-0A42-A72E-099BD2D221EF}" type="datetimeFigureOut">
               <a:rPr lang="fr-FR" smtClean="0"/>
-              <a:t>06/02/2024</a:t>
+              <a:t>20/02/2024</a:t>
             </a:fld>
             <a:endParaRPr lang="fr-FR"/>
           </a:p>
@@ -2882,7 +3687,7 @@
           <a:p>
             <a:fld id="{E5A19FF6-7711-0A42-A72E-099BD2D221EF}" type="datetimeFigureOut">
               <a:rPr lang="fr-FR" smtClean="0"/>
-              <a:t>06/02/2024</a:t>
+              <a:t>20/02/2024</a:t>
             </a:fld>
             <a:endParaRPr lang="fr-FR"/>
           </a:p>
@@ -3147,7 +3952,7 @@
           <a:p>
             <a:fld id="{E5A19FF6-7711-0A42-A72E-099BD2D221EF}" type="datetimeFigureOut">
               <a:rPr lang="fr-FR" smtClean="0"/>
-              <a:t>06/02/2024</a:t>
+              <a:t>20/02/2024</a:t>
             </a:fld>
             <a:endParaRPr lang="fr-FR"/>
           </a:p>
@@ -3559,7 +4364,7 @@
           <a:p>
             <a:fld id="{E5A19FF6-7711-0A42-A72E-099BD2D221EF}" type="datetimeFigureOut">
               <a:rPr lang="fr-FR" smtClean="0"/>
-              <a:t>06/02/2024</a:t>
+              <a:t>20/02/2024</a:t>
             </a:fld>
             <a:endParaRPr lang="fr-FR"/>
           </a:p>
@@ -3700,7 +4505,7 @@
           <a:p>
             <a:fld id="{E5A19FF6-7711-0A42-A72E-099BD2D221EF}" type="datetimeFigureOut">
               <a:rPr lang="fr-FR" smtClean="0"/>
-              <a:t>06/02/2024</a:t>
+              <a:t>20/02/2024</a:t>
             </a:fld>
             <a:endParaRPr lang="fr-FR"/>
           </a:p>
@@ -3813,7 +4618,7 @@
           <a:p>
             <a:fld id="{E5A19FF6-7711-0A42-A72E-099BD2D221EF}" type="datetimeFigureOut">
               <a:rPr lang="fr-FR" smtClean="0"/>
-              <a:t>06/02/2024</a:t>
+              <a:t>20/02/2024</a:t>
             </a:fld>
             <a:endParaRPr lang="fr-FR"/>
           </a:p>
@@ -4124,7 +4929,7 @@
           <a:p>
             <a:fld id="{E5A19FF6-7711-0A42-A72E-099BD2D221EF}" type="datetimeFigureOut">
               <a:rPr lang="fr-FR" smtClean="0"/>
-              <a:t>06/02/2024</a:t>
+              <a:t>20/02/2024</a:t>
             </a:fld>
             <a:endParaRPr lang="fr-FR"/>
           </a:p>
@@ -4412,7 +5217,7 @@
           <a:p>
             <a:fld id="{E5A19FF6-7711-0A42-A72E-099BD2D221EF}" type="datetimeFigureOut">
               <a:rPr lang="fr-FR" smtClean="0"/>
-              <a:t>06/02/2024</a:t>
+              <a:t>20/02/2024</a:t>
             </a:fld>
             <a:endParaRPr lang="fr-FR"/>
           </a:p>
@@ -4653,7 +5458,7 @@
           <a:p>
             <a:fld id="{E5A19FF6-7711-0A42-A72E-099BD2D221EF}" type="datetimeFigureOut">
               <a:rPr lang="fr-FR" smtClean="0"/>
-              <a:t>06/02/2024</a:t>
+              <a:t>20/02/2024</a:t>
             </a:fld>
             <a:endParaRPr lang="fr-FR"/>
           </a:p>
@@ -28380,6 +29185,3606 @@
           <a:chExt cx="0" cy="0"/>
         </a:xfrm>
       </p:grpSpPr>
+      <p:sp>
+        <p:nvSpPr>
+          <p:cNvPr id="3" name="Rectangle 2">
+            <a:extLst>
+              <a:ext uri="{FF2B5EF4-FFF2-40B4-BE49-F238E27FC236}">
+                <a16:creationId xmlns:a16="http://schemas.microsoft.com/office/drawing/2014/main" id="{A7D36578-0D25-ACD0-9FC8-DA127FD16443}"/>
+              </a:ext>
+            </a:extLst>
+          </p:cNvPr>
+          <p:cNvSpPr/>
+          <p:nvPr/>
+        </p:nvSpPr>
+        <p:spPr>
+          <a:xfrm>
+            <a:off x="1871333" y="221535"/>
+            <a:ext cx="1065229" cy="1024568"/>
+          </a:xfrm>
+          <a:prstGeom prst="rect">
+            <a:avLst/>
+          </a:prstGeom>
+          <a:solidFill>
+            <a:srgbClr val="A5A5A5"/>
+          </a:solidFill>
+          <a:ln w="38100">
+            <a:solidFill>
+              <a:schemeClr val="tx1"/>
+            </a:solidFill>
+          </a:ln>
+        </p:spPr>
+        <p:style>
+          <a:lnRef idx="2">
+            <a:schemeClr val="accent1">
+              <a:shade val="15000"/>
+            </a:schemeClr>
+          </a:lnRef>
+          <a:fillRef idx="1">
+            <a:schemeClr val="accent1"/>
+          </a:fillRef>
+          <a:effectRef idx="0">
+            <a:schemeClr val="accent1"/>
+          </a:effectRef>
+          <a:fontRef idx="minor">
+            <a:schemeClr val="lt1"/>
+          </a:fontRef>
+        </p:style>
+        <p:txBody>
+          <a:bodyPr rtlCol="0" anchor="ctr"/>
+          <a:lstStyle/>
+          <a:p>
+            <a:pPr algn="ctr"/>
+            <a:endParaRPr lang="fr-FR"/>
+          </a:p>
+        </p:txBody>
+      </p:sp>
+      <p:sp>
+        <p:nvSpPr>
+          <p:cNvPr id="4" name="ZoneTexte 3">
+            <a:extLst>
+              <a:ext uri="{FF2B5EF4-FFF2-40B4-BE49-F238E27FC236}">
+                <a16:creationId xmlns:a16="http://schemas.microsoft.com/office/drawing/2014/main" id="{D6221CC3-A2C9-A9DF-ECE2-D0B4F57742CC}"/>
+              </a:ext>
+            </a:extLst>
+          </p:cNvPr>
+          <p:cNvSpPr txBox="1"/>
+          <p:nvPr/>
+        </p:nvSpPr>
+        <p:spPr>
+          <a:xfrm>
+            <a:off x="2111715" y="197973"/>
+            <a:ext cx="584463" cy="1015663"/>
+          </a:xfrm>
+          <a:prstGeom prst="rect">
+            <a:avLst/>
+          </a:prstGeom>
+          <a:noFill/>
+        </p:spPr>
+        <p:txBody>
+          <a:bodyPr wrap="square" rtlCol="0">
+            <a:spAutoFit/>
+          </a:bodyPr>
+          <a:lstStyle/>
+          <a:p>
+            <a:pPr algn="ctr"/>
+            <a:r>
+              <a:rPr lang="fr-FR" sz="6000" dirty="0"/>
+              <a:t>B</a:t>
+            </a:r>
+          </a:p>
+        </p:txBody>
+      </p:sp>
+      <p:sp>
+        <p:nvSpPr>
+          <p:cNvPr id="5" name="Rectangle 4">
+            <a:extLst>
+              <a:ext uri="{FF2B5EF4-FFF2-40B4-BE49-F238E27FC236}">
+                <a16:creationId xmlns:a16="http://schemas.microsoft.com/office/drawing/2014/main" id="{CB382004-E766-7988-FAC3-8B48DED4768E}"/>
+              </a:ext>
+            </a:extLst>
+          </p:cNvPr>
+          <p:cNvSpPr/>
+          <p:nvPr/>
+        </p:nvSpPr>
+        <p:spPr>
+          <a:xfrm>
+            <a:off x="332519" y="221535"/>
+            <a:ext cx="1065229" cy="1024568"/>
+          </a:xfrm>
+          <a:prstGeom prst="rect">
+            <a:avLst/>
+          </a:prstGeom>
+          <a:solidFill>
+            <a:srgbClr val="A5A5A5"/>
+          </a:solidFill>
+          <a:ln w="38100">
+            <a:solidFill>
+              <a:schemeClr val="tx1"/>
+            </a:solidFill>
+          </a:ln>
+        </p:spPr>
+        <p:style>
+          <a:lnRef idx="2">
+            <a:schemeClr val="accent1">
+              <a:shade val="15000"/>
+            </a:schemeClr>
+          </a:lnRef>
+          <a:fillRef idx="1">
+            <a:schemeClr val="accent1"/>
+          </a:fillRef>
+          <a:effectRef idx="0">
+            <a:schemeClr val="accent1"/>
+          </a:effectRef>
+          <a:fontRef idx="minor">
+            <a:schemeClr val="lt1"/>
+          </a:fontRef>
+        </p:style>
+        <p:txBody>
+          <a:bodyPr rtlCol="0" anchor="ctr"/>
+          <a:lstStyle/>
+          <a:p>
+            <a:pPr algn="ctr"/>
+            <a:endParaRPr lang="fr-FR"/>
+          </a:p>
+        </p:txBody>
+      </p:sp>
+      <p:sp>
+        <p:nvSpPr>
+          <p:cNvPr id="6" name="ZoneTexte 5">
+            <a:extLst>
+              <a:ext uri="{FF2B5EF4-FFF2-40B4-BE49-F238E27FC236}">
+                <a16:creationId xmlns:a16="http://schemas.microsoft.com/office/drawing/2014/main" id="{EA36C10B-ED31-D466-C4C9-74F941030DA3}"/>
+              </a:ext>
+            </a:extLst>
+          </p:cNvPr>
+          <p:cNvSpPr txBox="1"/>
+          <p:nvPr/>
+        </p:nvSpPr>
+        <p:spPr>
+          <a:xfrm>
+            <a:off x="572901" y="197973"/>
+            <a:ext cx="584463" cy="1015663"/>
+          </a:xfrm>
+          <a:prstGeom prst="rect">
+            <a:avLst/>
+          </a:prstGeom>
+          <a:noFill/>
+        </p:spPr>
+        <p:txBody>
+          <a:bodyPr wrap="square" rtlCol="0">
+            <a:spAutoFit/>
+          </a:bodyPr>
+          <a:lstStyle/>
+          <a:p>
+            <a:pPr algn="ctr"/>
+            <a:r>
+              <a:rPr lang="fr-FR" sz="6000" dirty="0"/>
+              <a:t>A</a:t>
+            </a:r>
+          </a:p>
+        </p:txBody>
+      </p:sp>
+      <p:sp>
+        <p:nvSpPr>
+          <p:cNvPr id="8" name="Rectangle 7">
+            <a:extLst>
+              <a:ext uri="{FF2B5EF4-FFF2-40B4-BE49-F238E27FC236}">
+                <a16:creationId xmlns:a16="http://schemas.microsoft.com/office/drawing/2014/main" id="{87BF5B2C-5D14-28E9-7C09-2CA8F2948586}"/>
+              </a:ext>
+            </a:extLst>
+          </p:cNvPr>
+          <p:cNvSpPr/>
+          <p:nvPr/>
+        </p:nvSpPr>
+        <p:spPr>
+          <a:xfrm>
+            <a:off x="5030771" y="221535"/>
+            <a:ext cx="1065229" cy="1024568"/>
+          </a:xfrm>
+          <a:prstGeom prst="rect">
+            <a:avLst/>
+          </a:prstGeom>
+          <a:solidFill>
+            <a:srgbClr val="A5A5A5"/>
+          </a:solidFill>
+          <a:ln w="38100">
+            <a:solidFill>
+              <a:schemeClr val="tx1"/>
+            </a:solidFill>
+          </a:ln>
+        </p:spPr>
+        <p:style>
+          <a:lnRef idx="2">
+            <a:schemeClr val="accent1">
+              <a:shade val="15000"/>
+            </a:schemeClr>
+          </a:lnRef>
+          <a:fillRef idx="1">
+            <a:schemeClr val="accent1"/>
+          </a:fillRef>
+          <a:effectRef idx="0">
+            <a:schemeClr val="accent1"/>
+          </a:effectRef>
+          <a:fontRef idx="minor">
+            <a:schemeClr val="lt1"/>
+          </a:fontRef>
+        </p:style>
+        <p:txBody>
+          <a:bodyPr rtlCol="0" anchor="ctr"/>
+          <a:lstStyle/>
+          <a:p>
+            <a:pPr algn="ctr"/>
+            <a:endParaRPr lang="fr-FR"/>
+          </a:p>
+        </p:txBody>
+      </p:sp>
+      <p:sp>
+        <p:nvSpPr>
+          <p:cNvPr id="9" name="ZoneTexte 8">
+            <a:extLst>
+              <a:ext uri="{FF2B5EF4-FFF2-40B4-BE49-F238E27FC236}">
+                <a16:creationId xmlns:a16="http://schemas.microsoft.com/office/drawing/2014/main" id="{CB88D596-12F1-F6DD-73E7-99948773C97C}"/>
+              </a:ext>
+            </a:extLst>
+          </p:cNvPr>
+          <p:cNvSpPr txBox="1"/>
+          <p:nvPr/>
+        </p:nvSpPr>
+        <p:spPr>
+          <a:xfrm>
+            <a:off x="5271153" y="197973"/>
+            <a:ext cx="584463" cy="1015663"/>
+          </a:xfrm>
+          <a:prstGeom prst="rect">
+            <a:avLst/>
+          </a:prstGeom>
+          <a:noFill/>
+        </p:spPr>
+        <p:txBody>
+          <a:bodyPr wrap="square" rtlCol="0">
+            <a:spAutoFit/>
+          </a:bodyPr>
+          <a:lstStyle/>
+          <a:p>
+            <a:pPr algn="ctr"/>
+            <a:r>
+              <a:rPr lang="fr-FR" sz="6000" dirty="0"/>
+              <a:t>D</a:t>
+            </a:r>
+          </a:p>
+        </p:txBody>
+      </p:sp>
+      <p:sp>
+        <p:nvSpPr>
+          <p:cNvPr id="10" name="Rectangle 9">
+            <a:extLst>
+              <a:ext uri="{FF2B5EF4-FFF2-40B4-BE49-F238E27FC236}">
+                <a16:creationId xmlns:a16="http://schemas.microsoft.com/office/drawing/2014/main" id="{BEC694F4-8722-79D7-7B46-F25F6C5DAB67}"/>
+              </a:ext>
+            </a:extLst>
+          </p:cNvPr>
+          <p:cNvSpPr/>
+          <p:nvPr/>
+        </p:nvSpPr>
+        <p:spPr>
+          <a:xfrm>
+            <a:off x="3491957" y="221535"/>
+            <a:ext cx="1065229" cy="1024568"/>
+          </a:xfrm>
+          <a:prstGeom prst="rect">
+            <a:avLst/>
+          </a:prstGeom>
+          <a:solidFill>
+            <a:srgbClr val="A5A5A5"/>
+          </a:solidFill>
+          <a:ln w="38100">
+            <a:solidFill>
+              <a:schemeClr val="tx1"/>
+            </a:solidFill>
+          </a:ln>
+        </p:spPr>
+        <p:style>
+          <a:lnRef idx="2">
+            <a:schemeClr val="accent1">
+              <a:shade val="15000"/>
+            </a:schemeClr>
+          </a:lnRef>
+          <a:fillRef idx="1">
+            <a:schemeClr val="accent1"/>
+          </a:fillRef>
+          <a:effectRef idx="0">
+            <a:schemeClr val="accent1"/>
+          </a:effectRef>
+          <a:fontRef idx="minor">
+            <a:schemeClr val="lt1"/>
+          </a:fontRef>
+        </p:style>
+        <p:txBody>
+          <a:bodyPr rtlCol="0" anchor="ctr"/>
+          <a:lstStyle/>
+          <a:p>
+            <a:pPr algn="ctr"/>
+            <a:endParaRPr lang="fr-FR"/>
+          </a:p>
+        </p:txBody>
+      </p:sp>
+      <p:sp>
+        <p:nvSpPr>
+          <p:cNvPr id="11" name="ZoneTexte 10">
+            <a:extLst>
+              <a:ext uri="{FF2B5EF4-FFF2-40B4-BE49-F238E27FC236}">
+                <a16:creationId xmlns:a16="http://schemas.microsoft.com/office/drawing/2014/main" id="{A9C9777E-C196-BF92-879F-0B1FE83BA653}"/>
+              </a:ext>
+            </a:extLst>
+          </p:cNvPr>
+          <p:cNvSpPr txBox="1"/>
+          <p:nvPr/>
+        </p:nvSpPr>
+        <p:spPr>
+          <a:xfrm>
+            <a:off x="3732339" y="197973"/>
+            <a:ext cx="584463" cy="1015663"/>
+          </a:xfrm>
+          <a:prstGeom prst="rect">
+            <a:avLst/>
+          </a:prstGeom>
+          <a:noFill/>
+        </p:spPr>
+        <p:txBody>
+          <a:bodyPr wrap="square" rtlCol="0">
+            <a:spAutoFit/>
+          </a:bodyPr>
+          <a:lstStyle/>
+          <a:p>
+            <a:pPr algn="ctr"/>
+            <a:r>
+              <a:rPr lang="fr-FR" sz="6000" dirty="0"/>
+              <a:t>C</a:t>
+            </a:r>
+          </a:p>
+        </p:txBody>
+      </p:sp>
+      <p:sp>
+        <p:nvSpPr>
+          <p:cNvPr id="12" name="Rectangle 11">
+            <a:extLst>
+              <a:ext uri="{FF2B5EF4-FFF2-40B4-BE49-F238E27FC236}">
+                <a16:creationId xmlns:a16="http://schemas.microsoft.com/office/drawing/2014/main" id="{B17272D1-A9AA-86D5-1CC0-57BF8DD66097}"/>
+              </a:ext>
+            </a:extLst>
+          </p:cNvPr>
+          <p:cNvSpPr/>
+          <p:nvPr/>
+        </p:nvSpPr>
+        <p:spPr>
+          <a:xfrm>
+            <a:off x="7853200" y="221535"/>
+            <a:ext cx="1065229" cy="1024568"/>
+          </a:xfrm>
+          <a:prstGeom prst="rect">
+            <a:avLst/>
+          </a:prstGeom>
+          <a:solidFill>
+            <a:srgbClr val="A5A5A5"/>
+          </a:solidFill>
+          <a:ln w="38100">
+            <a:solidFill>
+              <a:schemeClr val="tx1"/>
+            </a:solidFill>
+          </a:ln>
+        </p:spPr>
+        <p:style>
+          <a:lnRef idx="2">
+            <a:schemeClr val="accent1">
+              <a:shade val="15000"/>
+            </a:schemeClr>
+          </a:lnRef>
+          <a:fillRef idx="1">
+            <a:schemeClr val="accent1"/>
+          </a:fillRef>
+          <a:effectRef idx="0">
+            <a:schemeClr val="accent1"/>
+          </a:effectRef>
+          <a:fontRef idx="minor">
+            <a:schemeClr val="lt1"/>
+          </a:fontRef>
+        </p:style>
+        <p:txBody>
+          <a:bodyPr rtlCol="0" anchor="ctr"/>
+          <a:lstStyle/>
+          <a:p>
+            <a:pPr algn="ctr"/>
+            <a:endParaRPr lang="fr-FR"/>
+          </a:p>
+        </p:txBody>
+      </p:sp>
+      <p:sp>
+        <p:nvSpPr>
+          <p:cNvPr id="13" name="ZoneTexte 12">
+            <a:extLst>
+              <a:ext uri="{FF2B5EF4-FFF2-40B4-BE49-F238E27FC236}">
+                <a16:creationId xmlns:a16="http://schemas.microsoft.com/office/drawing/2014/main" id="{158D8FA2-B118-4A0C-DEFF-76CA66BC9E42}"/>
+              </a:ext>
+            </a:extLst>
+          </p:cNvPr>
+          <p:cNvSpPr txBox="1"/>
+          <p:nvPr/>
+        </p:nvSpPr>
+        <p:spPr>
+          <a:xfrm>
+            <a:off x="8093582" y="197973"/>
+            <a:ext cx="584463" cy="1015663"/>
+          </a:xfrm>
+          <a:prstGeom prst="rect">
+            <a:avLst/>
+          </a:prstGeom>
+          <a:noFill/>
+        </p:spPr>
+        <p:txBody>
+          <a:bodyPr wrap="square" rtlCol="0">
+            <a:spAutoFit/>
+          </a:bodyPr>
+          <a:lstStyle/>
+          <a:p>
+            <a:pPr algn="ctr"/>
+            <a:r>
+              <a:rPr lang="fr-FR" sz="6000" dirty="0"/>
+              <a:t>F</a:t>
+            </a:r>
+          </a:p>
+        </p:txBody>
+      </p:sp>
+      <p:sp>
+        <p:nvSpPr>
+          <p:cNvPr id="14" name="Rectangle 13">
+            <a:extLst>
+              <a:ext uri="{FF2B5EF4-FFF2-40B4-BE49-F238E27FC236}">
+                <a16:creationId xmlns:a16="http://schemas.microsoft.com/office/drawing/2014/main" id="{E8E26079-8E70-FD90-5E2F-382A2E4C3983}"/>
+              </a:ext>
+            </a:extLst>
+          </p:cNvPr>
+          <p:cNvSpPr/>
+          <p:nvPr/>
+        </p:nvSpPr>
+        <p:spPr>
+          <a:xfrm>
+            <a:off x="6314386" y="221535"/>
+            <a:ext cx="1065229" cy="1024568"/>
+          </a:xfrm>
+          <a:prstGeom prst="rect">
+            <a:avLst/>
+          </a:prstGeom>
+          <a:solidFill>
+            <a:srgbClr val="A5A5A5"/>
+          </a:solidFill>
+          <a:ln w="38100">
+            <a:solidFill>
+              <a:schemeClr val="tx1"/>
+            </a:solidFill>
+          </a:ln>
+        </p:spPr>
+        <p:style>
+          <a:lnRef idx="2">
+            <a:schemeClr val="accent1">
+              <a:shade val="15000"/>
+            </a:schemeClr>
+          </a:lnRef>
+          <a:fillRef idx="1">
+            <a:schemeClr val="accent1"/>
+          </a:fillRef>
+          <a:effectRef idx="0">
+            <a:schemeClr val="accent1"/>
+          </a:effectRef>
+          <a:fontRef idx="minor">
+            <a:schemeClr val="lt1"/>
+          </a:fontRef>
+        </p:style>
+        <p:txBody>
+          <a:bodyPr rtlCol="0" anchor="ctr"/>
+          <a:lstStyle/>
+          <a:p>
+            <a:pPr algn="ctr"/>
+            <a:endParaRPr lang="fr-FR"/>
+          </a:p>
+        </p:txBody>
+      </p:sp>
+      <p:sp>
+        <p:nvSpPr>
+          <p:cNvPr id="15" name="ZoneTexte 14">
+            <a:extLst>
+              <a:ext uri="{FF2B5EF4-FFF2-40B4-BE49-F238E27FC236}">
+                <a16:creationId xmlns:a16="http://schemas.microsoft.com/office/drawing/2014/main" id="{6EFDAD82-6AF4-7EED-A456-C7C816084E70}"/>
+              </a:ext>
+            </a:extLst>
+          </p:cNvPr>
+          <p:cNvSpPr txBox="1"/>
+          <p:nvPr/>
+        </p:nvSpPr>
+        <p:spPr>
+          <a:xfrm>
+            <a:off x="6554768" y="197973"/>
+            <a:ext cx="584463" cy="1015663"/>
+          </a:xfrm>
+          <a:prstGeom prst="rect">
+            <a:avLst/>
+          </a:prstGeom>
+          <a:noFill/>
+        </p:spPr>
+        <p:txBody>
+          <a:bodyPr wrap="square" rtlCol="0">
+            <a:spAutoFit/>
+          </a:bodyPr>
+          <a:lstStyle/>
+          <a:p>
+            <a:pPr algn="ctr"/>
+            <a:r>
+              <a:rPr lang="fr-FR" sz="6000" dirty="0"/>
+              <a:t>E</a:t>
+            </a:r>
+          </a:p>
+        </p:txBody>
+      </p:sp>
+      <p:sp>
+        <p:nvSpPr>
+          <p:cNvPr id="16" name="Rectangle 15">
+            <a:extLst>
+              <a:ext uri="{FF2B5EF4-FFF2-40B4-BE49-F238E27FC236}">
+                <a16:creationId xmlns:a16="http://schemas.microsoft.com/office/drawing/2014/main" id="{6893410F-28D2-91BD-D71E-7A309A9E8045}"/>
+              </a:ext>
+            </a:extLst>
+          </p:cNvPr>
+          <p:cNvSpPr/>
+          <p:nvPr/>
+        </p:nvSpPr>
+        <p:spPr>
+          <a:xfrm>
+            <a:off x="11012638" y="221535"/>
+            <a:ext cx="1065229" cy="1024568"/>
+          </a:xfrm>
+          <a:prstGeom prst="rect">
+            <a:avLst/>
+          </a:prstGeom>
+          <a:solidFill>
+            <a:srgbClr val="A5A5A5"/>
+          </a:solidFill>
+          <a:ln w="38100">
+            <a:solidFill>
+              <a:schemeClr val="tx1"/>
+            </a:solidFill>
+          </a:ln>
+        </p:spPr>
+        <p:style>
+          <a:lnRef idx="2">
+            <a:schemeClr val="accent1">
+              <a:shade val="15000"/>
+            </a:schemeClr>
+          </a:lnRef>
+          <a:fillRef idx="1">
+            <a:schemeClr val="accent1"/>
+          </a:fillRef>
+          <a:effectRef idx="0">
+            <a:schemeClr val="accent1"/>
+          </a:effectRef>
+          <a:fontRef idx="minor">
+            <a:schemeClr val="lt1"/>
+          </a:fontRef>
+        </p:style>
+        <p:txBody>
+          <a:bodyPr rtlCol="0" anchor="ctr"/>
+          <a:lstStyle/>
+          <a:p>
+            <a:pPr algn="ctr"/>
+            <a:endParaRPr lang="fr-FR"/>
+          </a:p>
+        </p:txBody>
+      </p:sp>
+      <p:sp>
+        <p:nvSpPr>
+          <p:cNvPr id="17" name="ZoneTexte 16">
+            <a:extLst>
+              <a:ext uri="{FF2B5EF4-FFF2-40B4-BE49-F238E27FC236}">
+                <a16:creationId xmlns:a16="http://schemas.microsoft.com/office/drawing/2014/main" id="{6EE3C3ED-F804-BE09-07D0-6D0097C75131}"/>
+              </a:ext>
+            </a:extLst>
+          </p:cNvPr>
+          <p:cNvSpPr txBox="1"/>
+          <p:nvPr/>
+        </p:nvSpPr>
+        <p:spPr>
+          <a:xfrm>
+            <a:off x="11253020" y="197973"/>
+            <a:ext cx="584463" cy="1015663"/>
+          </a:xfrm>
+          <a:prstGeom prst="rect">
+            <a:avLst/>
+          </a:prstGeom>
+          <a:noFill/>
+        </p:spPr>
+        <p:txBody>
+          <a:bodyPr wrap="square" rtlCol="0">
+            <a:spAutoFit/>
+          </a:bodyPr>
+          <a:lstStyle/>
+          <a:p>
+            <a:pPr algn="ctr"/>
+            <a:r>
+              <a:rPr lang="fr-FR" sz="6000" dirty="0"/>
+              <a:t>H</a:t>
+            </a:r>
+          </a:p>
+        </p:txBody>
+      </p:sp>
+      <p:sp>
+        <p:nvSpPr>
+          <p:cNvPr id="18" name="Rectangle 17">
+            <a:extLst>
+              <a:ext uri="{FF2B5EF4-FFF2-40B4-BE49-F238E27FC236}">
+                <a16:creationId xmlns:a16="http://schemas.microsoft.com/office/drawing/2014/main" id="{74A96EA9-47D4-C8CF-F7C3-999DB9C7C9C5}"/>
+              </a:ext>
+            </a:extLst>
+          </p:cNvPr>
+          <p:cNvSpPr/>
+          <p:nvPr/>
+        </p:nvSpPr>
+        <p:spPr>
+          <a:xfrm>
+            <a:off x="9473824" y="221535"/>
+            <a:ext cx="1065229" cy="1024568"/>
+          </a:xfrm>
+          <a:prstGeom prst="rect">
+            <a:avLst/>
+          </a:prstGeom>
+          <a:solidFill>
+            <a:srgbClr val="A5A5A5"/>
+          </a:solidFill>
+          <a:ln w="38100">
+            <a:solidFill>
+              <a:schemeClr val="tx1"/>
+            </a:solidFill>
+          </a:ln>
+        </p:spPr>
+        <p:style>
+          <a:lnRef idx="2">
+            <a:schemeClr val="accent1">
+              <a:shade val="15000"/>
+            </a:schemeClr>
+          </a:lnRef>
+          <a:fillRef idx="1">
+            <a:schemeClr val="accent1"/>
+          </a:fillRef>
+          <a:effectRef idx="0">
+            <a:schemeClr val="accent1"/>
+          </a:effectRef>
+          <a:fontRef idx="minor">
+            <a:schemeClr val="lt1"/>
+          </a:fontRef>
+        </p:style>
+        <p:txBody>
+          <a:bodyPr rtlCol="0" anchor="ctr"/>
+          <a:lstStyle/>
+          <a:p>
+            <a:pPr algn="ctr"/>
+            <a:endParaRPr lang="fr-FR"/>
+          </a:p>
+        </p:txBody>
+      </p:sp>
+      <p:sp>
+        <p:nvSpPr>
+          <p:cNvPr id="19" name="ZoneTexte 18">
+            <a:extLst>
+              <a:ext uri="{FF2B5EF4-FFF2-40B4-BE49-F238E27FC236}">
+                <a16:creationId xmlns:a16="http://schemas.microsoft.com/office/drawing/2014/main" id="{FC6A132C-20E1-05BA-475A-32FF5DD53F5A}"/>
+              </a:ext>
+            </a:extLst>
+          </p:cNvPr>
+          <p:cNvSpPr txBox="1"/>
+          <p:nvPr/>
+        </p:nvSpPr>
+        <p:spPr>
+          <a:xfrm>
+            <a:off x="9714206" y="197973"/>
+            <a:ext cx="584463" cy="1015663"/>
+          </a:xfrm>
+          <a:prstGeom prst="rect">
+            <a:avLst/>
+          </a:prstGeom>
+          <a:noFill/>
+        </p:spPr>
+        <p:txBody>
+          <a:bodyPr wrap="square" rtlCol="0">
+            <a:spAutoFit/>
+          </a:bodyPr>
+          <a:lstStyle/>
+          <a:p>
+            <a:pPr algn="ctr"/>
+            <a:r>
+              <a:rPr lang="fr-FR" sz="6000" dirty="0"/>
+              <a:t>G</a:t>
+            </a:r>
+          </a:p>
+        </p:txBody>
+      </p:sp>
+      <p:sp>
+        <p:nvSpPr>
+          <p:cNvPr id="20" name="Rectangle 19">
+            <a:extLst>
+              <a:ext uri="{FF2B5EF4-FFF2-40B4-BE49-F238E27FC236}">
+                <a16:creationId xmlns:a16="http://schemas.microsoft.com/office/drawing/2014/main" id="{E4B1D522-846E-3D14-81CE-06FE32AC0CD6}"/>
+              </a:ext>
+            </a:extLst>
+          </p:cNvPr>
+          <p:cNvSpPr/>
+          <p:nvPr/>
+        </p:nvSpPr>
+        <p:spPr>
+          <a:xfrm>
+            <a:off x="1871333" y="1684261"/>
+            <a:ext cx="1065229" cy="1024568"/>
+          </a:xfrm>
+          <a:prstGeom prst="rect">
+            <a:avLst/>
+          </a:prstGeom>
+          <a:solidFill>
+            <a:srgbClr val="A5A5A5"/>
+          </a:solidFill>
+          <a:ln w="38100">
+            <a:solidFill>
+              <a:schemeClr val="tx1"/>
+            </a:solidFill>
+          </a:ln>
+        </p:spPr>
+        <p:style>
+          <a:lnRef idx="2">
+            <a:schemeClr val="accent1">
+              <a:shade val="15000"/>
+            </a:schemeClr>
+          </a:lnRef>
+          <a:fillRef idx="1">
+            <a:schemeClr val="accent1"/>
+          </a:fillRef>
+          <a:effectRef idx="0">
+            <a:schemeClr val="accent1"/>
+          </a:effectRef>
+          <a:fontRef idx="minor">
+            <a:schemeClr val="lt1"/>
+          </a:fontRef>
+        </p:style>
+        <p:txBody>
+          <a:bodyPr rtlCol="0" anchor="ctr"/>
+          <a:lstStyle/>
+          <a:p>
+            <a:pPr algn="ctr"/>
+            <a:endParaRPr lang="fr-FR"/>
+          </a:p>
+        </p:txBody>
+      </p:sp>
+      <p:sp>
+        <p:nvSpPr>
+          <p:cNvPr id="21" name="ZoneTexte 20">
+            <a:extLst>
+              <a:ext uri="{FF2B5EF4-FFF2-40B4-BE49-F238E27FC236}">
+                <a16:creationId xmlns:a16="http://schemas.microsoft.com/office/drawing/2014/main" id="{A8FE597E-0211-1F66-6055-AEB22ABA4A36}"/>
+              </a:ext>
+            </a:extLst>
+          </p:cNvPr>
+          <p:cNvSpPr txBox="1"/>
+          <p:nvPr/>
+        </p:nvSpPr>
+        <p:spPr>
+          <a:xfrm>
+            <a:off x="2111715" y="1660699"/>
+            <a:ext cx="584463" cy="1015663"/>
+          </a:xfrm>
+          <a:prstGeom prst="rect">
+            <a:avLst/>
+          </a:prstGeom>
+          <a:noFill/>
+        </p:spPr>
+        <p:txBody>
+          <a:bodyPr wrap="square" rtlCol="0">
+            <a:spAutoFit/>
+          </a:bodyPr>
+          <a:lstStyle/>
+          <a:p>
+            <a:pPr algn="ctr"/>
+            <a:r>
+              <a:rPr lang="fr-FR" sz="6000" dirty="0"/>
+              <a:t>J</a:t>
+            </a:r>
+          </a:p>
+        </p:txBody>
+      </p:sp>
+      <p:sp>
+        <p:nvSpPr>
+          <p:cNvPr id="22" name="Rectangle 21">
+            <a:extLst>
+              <a:ext uri="{FF2B5EF4-FFF2-40B4-BE49-F238E27FC236}">
+                <a16:creationId xmlns:a16="http://schemas.microsoft.com/office/drawing/2014/main" id="{2D8AA530-6214-7666-CFCD-B76DD69307E1}"/>
+              </a:ext>
+            </a:extLst>
+          </p:cNvPr>
+          <p:cNvSpPr/>
+          <p:nvPr/>
+        </p:nvSpPr>
+        <p:spPr>
+          <a:xfrm>
+            <a:off x="332519" y="1684261"/>
+            <a:ext cx="1065229" cy="1024568"/>
+          </a:xfrm>
+          <a:prstGeom prst="rect">
+            <a:avLst/>
+          </a:prstGeom>
+          <a:solidFill>
+            <a:srgbClr val="A5A5A5"/>
+          </a:solidFill>
+          <a:ln w="38100">
+            <a:solidFill>
+              <a:schemeClr val="tx1"/>
+            </a:solidFill>
+          </a:ln>
+        </p:spPr>
+        <p:style>
+          <a:lnRef idx="2">
+            <a:schemeClr val="accent1">
+              <a:shade val="15000"/>
+            </a:schemeClr>
+          </a:lnRef>
+          <a:fillRef idx="1">
+            <a:schemeClr val="accent1"/>
+          </a:fillRef>
+          <a:effectRef idx="0">
+            <a:schemeClr val="accent1"/>
+          </a:effectRef>
+          <a:fontRef idx="minor">
+            <a:schemeClr val="lt1"/>
+          </a:fontRef>
+        </p:style>
+        <p:txBody>
+          <a:bodyPr rtlCol="0" anchor="ctr"/>
+          <a:lstStyle/>
+          <a:p>
+            <a:pPr algn="ctr"/>
+            <a:endParaRPr lang="fr-FR"/>
+          </a:p>
+        </p:txBody>
+      </p:sp>
+      <p:sp>
+        <p:nvSpPr>
+          <p:cNvPr id="23" name="ZoneTexte 22">
+            <a:extLst>
+              <a:ext uri="{FF2B5EF4-FFF2-40B4-BE49-F238E27FC236}">
+                <a16:creationId xmlns:a16="http://schemas.microsoft.com/office/drawing/2014/main" id="{AB24E24D-27D0-F48A-0B2C-02104CA141D4}"/>
+              </a:ext>
+            </a:extLst>
+          </p:cNvPr>
+          <p:cNvSpPr txBox="1"/>
+          <p:nvPr/>
+        </p:nvSpPr>
+        <p:spPr>
+          <a:xfrm>
+            <a:off x="572901" y="1660699"/>
+            <a:ext cx="584463" cy="1015663"/>
+          </a:xfrm>
+          <a:prstGeom prst="rect">
+            <a:avLst/>
+          </a:prstGeom>
+          <a:noFill/>
+        </p:spPr>
+        <p:txBody>
+          <a:bodyPr wrap="square" rtlCol="0">
+            <a:spAutoFit/>
+          </a:bodyPr>
+          <a:lstStyle/>
+          <a:p>
+            <a:pPr algn="ctr"/>
+            <a:r>
+              <a:rPr lang="fr-FR" sz="6000" dirty="0"/>
+              <a:t>I</a:t>
+            </a:r>
+          </a:p>
+        </p:txBody>
+      </p:sp>
+      <p:sp>
+        <p:nvSpPr>
+          <p:cNvPr id="24" name="Rectangle 23">
+            <a:extLst>
+              <a:ext uri="{FF2B5EF4-FFF2-40B4-BE49-F238E27FC236}">
+                <a16:creationId xmlns:a16="http://schemas.microsoft.com/office/drawing/2014/main" id="{A7F94DD6-992C-0473-7468-CC3C139D84B5}"/>
+              </a:ext>
+            </a:extLst>
+          </p:cNvPr>
+          <p:cNvSpPr/>
+          <p:nvPr/>
+        </p:nvSpPr>
+        <p:spPr>
+          <a:xfrm>
+            <a:off x="5030771" y="1684261"/>
+            <a:ext cx="1065229" cy="1024568"/>
+          </a:xfrm>
+          <a:prstGeom prst="rect">
+            <a:avLst/>
+          </a:prstGeom>
+          <a:solidFill>
+            <a:srgbClr val="A5A5A5"/>
+          </a:solidFill>
+          <a:ln w="38100">
+            <a:solidFill>
+              <a:schemeClr val="tx1"/>
+            </a:solidFill>
+          </a:ln>
+        </p:spPr>
+        <p:style>
+          <a:lnRef idx="2">
+            <a:schemeClr val="accent1">
+              <a:shade val="15000"/>
+            </a:schemeClr>
+          </a:lnRef>
+          <a:fillRef idx="1">
+            <a:schemeClr val="accent1"/>
+          </a:fillRef>
+          <a:effectRef idx="0">
+            <a:schemeClr val="accent1"/>
+          </a:effectRef>
+          <a:fontRef idx="minor">
+            <a:schemeClr val="lt1"/>
+          </a:fontRef>
+        </p:style>
+        <p:txBody>
+          <a:bodyPr rtlCol="0" anchor="ctr"/>
+          <a:lstStyle/>
+          <a:p>
+            <a:pPr algn="ctr"/>
+            <a:endParaRPr lang="fr-FR"/>
+          </a:p>
+        </p:txBody>
+      </p:sp>
+      <p:sp>
+        <p:nvSpPr>
+          <p:cNvPr id="25" name="ZoneTexte 24">
+            <a:extLst>
+              <a:ext uri="{FF2B5EF4-FFF2-40B4-BE49-F238E27FC236}">
+                <a16:creationId xmlns:a16="http://schemas.microsoft.com/office/drawing/2014/main" id="{0902EBA6-7DAF-97B3-9B31-69C9F4D28BF1}"/>
+              </a:ext>
+            </a:extLst>
+          </p:cNvPr>
+          <p:cNvSpPr txBox="1"/>
+          <p:nvPr/>
+        </p:nvSpPr>
+        <p:spPr>
+          <a:xfrm>
+            <a:off x="5271153" y="1660699"/>
+            <a:ext cx="584463" cy="1015663"/>
+          </a:xfrm>
+          <a:prstGeom prst="rect">
+            <a:avLst/>
+          </a:prstGeom>
+          <a:noFill/>
+        </p:spPr>
+        <p:txBody>
+          <a:bodyPr wrap="square" rtlCol="0">
+            <a:spAutoFit/>
+          </a:bodyPr>
+          <a:lstStyle/>
+          <a:p>
+            <a:pPr algn="ctr"/>
+            <a:r>
+              <a:rPr lang="fr-FR" sz="6000" dirty="0"/>
+              <a:t>L</a:t>
+            </a:r>
+          </a:p>
+        </p:txBody>
+      </p:sp>
+      <p:sp>
+        <p:nvSpPr>
+          <p:cNvPr id="26" name="Rectangle 25">
+            <a:extLst>
+              <a:ext uri="{FF2B5EF4-FFF2-40B4-BE49-F238E27FC236}">
+                <a16:creationId xmlns:a16="http://schemas.microsoft.com/office/drawing/2014/main" id="{F02D5976-14A4-B064-2246-A2E33BDB2F31}"/>
+              </a:ext>
+            </a:extLst>
+          </p:cNvPr>
+          <p:cNvSpPr/>
+          <p:nvPr/>
+        </p:nvSpPr>
+        <p:spPr>
+          <a:xfrm>
+            <a:off x="3491957" y="1684261"/>
+            <a:ext cx="1065229" cy="1024568"/>
+          </a:xfrm>
+          <a:prstGeom prst="rect">
+            <a:avLst/>
+          </a:prstGeom>
+          <a:solidFill>
+            <a:srgbClr val="A5A5A5"/>
+          </a:solidFill>
+          <a:ln w="38100">
+            <a:solidFill>
+              <a:schemeClr val="tx1"/>
+            </a:solidFill>
+          </a:ln>
+        </p:spPr>
+        <p:style>
+          <a:lnRef idx="2">
+            <a:schemeClr val="accent1">
+              <a:shade val="15000"/>
+            </a:schemeClr>
+          </a:lnRef>
+          <a:fillRef idx="1">
+            <a:schemeClr val="accent1"/>
+          </a:fillRef>
+          <a:effectRef idx="0">
+            <a:schemeClr val="accent1"/>
+          </a:effectRef>
+          <a:fontRef idx="minor">
+            <a:schemeClr val="lt1"/>
+          </a:fontRef>
+        </p:style>
+        <p:txBody>
+          <a:bodyPr rtlCol="0" anchor="ctr"/>
+          <a:lstStyle/>
+          <a:p>
+            <a:pPr algn="ctr"/>
+            <a:endParaRPr lang="fr-FR"/>
+          </a:p>
+        </p:txBody>
+      </p:sp>
+      <p:sp>
+        <p:nvSpPr>
+          <p:cNvPr id="27" name="ZoneTexte 26">
+            <a:extLst>
+              <a:ext uri="{FF2B5EF4-FFF2-40B4-BE49-F238E27FC236}">
+                <a16:creationId xmlns:a16="http://schemas.microsoft.com/office/drawing/2014/main" id="{D9CEFCE4-5ABC-08F7-5DCD-6FE81F421765}"/>
+              </a:ext>
+            </a:extLst>
+          </p:cNvPr>
+          <p:cNvSpPr txBox="1"/>
+          <p:nvPr/>
+        </p:nvSpPr>
+        <p:spPr>
+          <a:xfrm>
+            <a:off x="3732339" y="1660699"/>
+            <a:ext cx="584463" cy="1015663"/>
+          </a:xfrm>
+          <a:prstGeom prst="rect">
+            <a:avLst/>
+          </a:prstGeom>
+          <a:noFill/>
+        </p:spPr>
+        <p:txBody>
+          <a:bodyPr wrap="square" rtlCol="0">
+            <a:spAutoFit/>
+          </a:bodyPr>
+          <a:lstStyle/>
+          <a:p>
+            <a:pPr algn="ctr"/>
+            <a:r>
+              <a:rPr lang="fr-FR" sz="6000" dirty="0"/>
+              <a:t>K</a:t>
+            </a:r>
+          </a:p>
+        </p:txBody>
+      </p:sp>
+      <p:sp>
+        <p:nvSpPr>
+          <p:cNvPr id="28" name="Rectangle 27">
+            <a:extLst>
+              <a:ext uri="{FF2B5EF4-FFF2-40B4-BE49-F238E27FC236}">
+                <a16:creationId xmlns:a16="http://schemas.microsoft.com/office/drawing/2014/main" id="{62BD9C9D-C227-8D87-4B21-2FAFD1327BEE}"/>
+              </a:ext>
+            </a:extLst>
+          </p:cNvPr>
+          <p:cNvSpPr/>
+          <p:nvPr/>
+        </p:nvSpPr>
+        <p:spPr>
+          <a:xfrm>
+            <a:off x="7853200" y="1684261"/>
+            <a:ext cx="1065229" cy="1024568"/>
+          </a:xfrm>
+          <a:prstGeom prst="rect">
+            <a:avLst/>
+          </a:prstGeom>
+          <a:solidFill>
+            <a:srgbClr val="A5A5A5"/>
+          </a:solidFill>
+          <a:ln w="38100">
+            <a:solidFill>
+              <a:schemeClr val="tx1"/>
+            </a:solidFill>
+          </a:ln>
+        </p:spPr>
+        <p:style>
+          <a:lnRef idx="2">
+            <a:schemeClr val="accent1">
+              <a:shade val="15000"/>
+            </a:schemeClr>
+          </a:lnRef>
+          <a:fillRef idx="1">
+            <a:schemeClr val="accent1"/>
+          </a:fillRef>
+          <a:effectRef idx="0">
+            <a:schemeClr val="accent1"/>
+          </a:effectRef>
+          <a:fontRef idx="minor">
+            <a:schemeClr val="lt1"/>
+          </a:fontRef>
+        </p:style>
+        <p:txBody>
+          <a:bodyPr rtlCol="0" anchor="ctr"/>
+          <a:lstStyle/>
+          <a:p>
+            <a:pPr algn="ctr"/>
+            <a:endParaRPr lang="fr-FR"/>
+          </a:p>
+        </p:txBody>
+      </p:sp>
+      <p:sp>
+        <p:nvSpPr>
+          <p:cNvPr id="29" name="ZoneTexte 28">
+            <a:extLst>
+              <a:ext uri="{FF2B5EF4-FFF2-40B4-BE49-F238E27FC236}">
+                <a16:creationId xmlns:a16="http://schemas.microsoft.com/office/drawing/2014/main" id="{5B000F41-D185-CC7B-FB83-0F9F9EF286D5}"/>
+              </a:ext>
+            </a:extLst>
+          </p:cNvPr>
+          <p:cNvSpPr txBox="1"/>
+          <p:nvPr/>
+        </p:nvSpPr>
+        <p:spPr>
+          <a:xfrm>
+            <a:off x="8093582" y="1660699"/>
+            <a:ext cx="584463" cy="1015663"/>
+          </a:xfrm>
+          <a:prstGeom prst="rect">
+            <a:avLst/>
+          </a:prstGeom>
+          <a:noFill/>
+        </p:spPr>
+        <p:txBody>
+          <a:bodyPr wrap="square" rtlCol="0">
+            <a:spAutoFit/>
+          </a:bodyPr>
+          <a:lstStyle/>
+          <a:p>
+            <a:pPr algn="ctr"/>
+            <a:r>
+              <a:rPr lang="fr-FR" sz="6000" dirty="0"/>
+              <a:t>N</a:t>
+            </a:r>
+          </a:p>
+        </p:txBody>
+      </p:sp>
+      <p:sp>
+        <p:nvSpPr>
+          <p:cNvPr id="30" name="Rectangle 29">
+            <a:extLst>
+              <a:ext uri="{FF2B5EF4-FFF2-40B4-BE49-F238E27FC236}">
+                <a16:creationId xmlns:a16="http://schemas.microsoft.com/office/drawing/2014/main" id="{82474360-40BD-64AB-94FC-D980B14C7233}"/>
+              </a:ext>
+            </a:extLst>
+          </p:cNvPr>
+          <p:cNvSpPr/>
+          <p:nvPr/>
+        </p:nvSpPr>
+        <p:spPr>
+          <a:xfrm>
+            <a:off x="6314386" y="1684261"/>
+            <a:ext cx="1065229" cy="1024568"/>
+          </a:xfrm>
+          <a:prstGeom prst="rect">
+            <a:avLst/>
+          </a:prstGeom>
+          <a:solidFill>
+            <a:srgbClr val="A5A5A5"/>
+          </a:solidFill>
+          <a:ln w="38100">
+            <a:solidFill>
+              <a:schemeClr val="tx1"/>
+            </a:solidFill>
+          </a:ln>
+        </p:spPr>
+        <p:style>
+          <a:lnRef idx="2">
+            <a:schemeClr val="accent1">
+              <a:shade val="15000"/>
+            </a:schemeClr>
+          </a:lnRef>
+          <a:fillRef idx="1">
+            <a:schemeClr val="accent1"/>
+          </a:fillRef>
+          <a:effectRef idx="0">
+            <a:schemeClr val="accent1"/>
+          </a:effectRef>
+          <a:fontRef idx="minor">
+            <a:schemeClr val="lt1"/>
+          </a:fontRef>
+        </p:style>
+        <p:txBody>
+          <a:bodyPr rtlCol="0" anchor="ctr"/>
+          <a:lstStyle/>
+          <a:p>
+            <a:pPr algn="ctr"/>
+            <a:endParaRPr lang="fr-FR"/>
+          </a:p>
+        </p:txBody>
+      </p:sp>
+      <p:sp>
+        <p:nvSpPr>
+          <p:cNvPr id="31" name="ZoneTexte 30">
+            <a:extLst>
+              <a:ext uri="{FF2B5EF4-FFF2-40B4-BE49-F238E27FC236}">
+                <a16:creationId xmlns:a16="http://schemas.microsoft.com/office/drawing/2014/main" id="{4E30D255-294C-343B-F53D-728266EA4FA6}"/>
+              </a:ext>
+            </a:extLst>
+          </p:cNvPr>
+          <p:cNvSpPr txBox="1"/>
+          <p:nvPr/>
+        </p:nvSpPr>
+        <p:spPr>
+          <a:xfrm>
+            <a:off x="6554768" y="1660699"/>
+            <a:ext cx="584463" cy="1015663"/>
+          </a:xfrm>
+          <a:prstGeom prst="rect">
+            <a:avLst/>
+          </a:prstGeom>
+          <a:noFill/>
+        </p:spPr>
+        <p:txBody>
+          <a:bodyPr wrap="square" rtlCol="0">
+            <a:spAutoFit/>
+          </a:bodyPr>
+          <a:lstStyle/>
+          <a:p>
+            <a:pPr algn="ctr"/>
+            <a:r>
+              <a:rPr lang="fr-FR" sz="6000" dirty="0"/>
+              <a:t>M</a:t>
+            </a:r>
+          </a:p>
+        </p:txBody>
+      </p:sp>
+      <p:sp>
+        <p:nvSpPr>
+          <p:cNvPr id="32" name="Rectangle 31">
+            <a:extLst>
+              <a:ext uri="{FF2B5EF4-FFF2-40B4-BE49-F238E27FC236}">
+                <a16:creationId xmlns:a16="http://schemas.microsoft.com/office/drawing/2014/main" id="{821BCFD3-AACE-2DE2-1CB4-E9E4399953B7}"/>
+              </a:ext>
+            </a:extLst>
+          </p:cNvPr>
+          <p:cNvSpPr/>
+          <p:nvPr/>
+        </p:nvSpPr>
+        <p:spPr>
+          <a:xfrm>
+            <a:off x="11012638" y="1684261"/>
+            <a:ext cx="1065229" cy="1024568"/>
+          </a:xfrm>
+          <a:prstGeom prst="rect">
+            <a:avLst/>
+          </a:prstGeom>
+          <a:solidFill>
+            <a:srgbClr val="A5A5A5"/>
+          </a:solidFill>
+          <a:ln w="38100">
+            <a:solidFill>
+              <a:schemeClr val="tx1"/>
+            </a:solidFill>
+          </a:ln>
+        </p:spPr>
+        <p:style>
+          <a:lnRef idx="2">
+            <a:schemeClr val="accent1">
+              <a:shade val="15000"/>
+            </a:schemeClr>
+          </a:lnRef>
+          <a:fillRef idx="1">
+            <a:schemeClr val="accent1"/>
+          </a:fillRef>
+          <a:effectRef idx="0">
+            <a:schemeClr val="accent1"/>
+          </a:effectRef>
+          <a:fontRef idx="minor">
+            <a:schemeClr val="lt1"/>
+          </a:fontRef>
+        </p:style>
+        <p:txBody>
+          <a:bodyPr rtlCol="0" anchor="ctr"/>
+          <a:lstStyle/>
+          <a:p>
+            <a:pPr algn="ctr"/>
+            <a:endParaRPr lang="fr-FR"/>
+          </a:p>
+        </p:txBody>
+      </p:sp>
+      <p:sp>
+        <p:nvSpPr>
+          <p:cNvPr id="33" name="ZoneTexte 32">
+            <a:extLst>
+              <a:ext uri="{FF2B5EF4-FFF2-40B4-BE49-F238E27FC236}">
+                <a16:creationId xmlns:a16="http://schemas.microsoft.com/office/drawing/2014/main" id="{EBB9ABE7-14E1-A8A3-2E25-51CF7EB0158D}"/>
+              </a:ext>
+            </a:extLst>
+          </p:cNvPr>
+          <p:cNvSpPr txBox="1"/>
+          <p:nvPr/>
+        </p:nvSpPr>
+        <p:spPr>
+          <a:xfrm>
+            <a:off x="11253020" y="1660699"/>
+            <a:ext cx="584463" cy="1015663"/>
+          </a:xfrm>
+          <a:prstGeom prst="rect">
+            <a:avLst/>
+          </a:prstGeom>
+          <a:noFill/>
+        </p:spPr>
+        <p:txBody>
+          <a:bodyPr wrap="square" rtlCol="0">
+            <a:spAutoFit/>
+          </a:bodyPr>
+          <a:lstStyle/>
+          <a:p>
+            <a:pPr algn="ctr"/>
+            <a:r>
+              <a:rPr lang="fr-FR" sz="6000" dirty="0"/>
+              <a:t>P</a:t>
+            </a:r>
+          </a:p>
+        </p:txBody>
+      </p:sp>
+      <p:sp>
+        <p:nvSpPr>
+          <p:cNvPr id="34" name="Rectangle 33">
+            <a:extLst>
+              <a:ext uri="{FF2B5EF4-FFF2-40B4-BE49-F238E27FC236}">
+                <a16:creationId xmlns:a16="http://schemas.microsoft.com/office/drawing/2014/main" id="{5EF3CE68-70B3-7510-5E69-3987F7E9DA36}"/>
+              </a:ext>
+            </a:extLst>
+          </p:cNvPr>
+          <p:cNvSpPr/>
+          <p:nvPr/>
+        </p:nvSpPr>
+        <p:spPr>
+          <a:xfrm>
+            <a:off x="9473824" y="1684261"/>
+            <a:ext cx="1065229" cy="1024568"/>
+          </a:xfrm>
+          <a:prstGeom prst="rect">
+            <a:avLst/>
+          </a:prstGeom>
+          <a:solidFill>
+            <a:srgbClr val="A5A5A5"/>
+          </a:solidFill>
+          <a:ln w="38100">
+            <a:solidFill>
+              <a:schemeClr val="tx1"/>
+            </a:solidFill>
+          </a:ln>
+        </p:spPr>
+        <p:style>
+          <a:lnRef idx="2">
+            <a:schemeClr val="accent1">
+              <a:shade val="15000"/>
+            </a:schemeClr>
+          </a:lnRef>
+          <a:fillRef idx="1">
+            <a:schemeClr val="accent1"/>
+          </a:fillRef>
+          <a:effectRef idx="0">
+            <a:schemeClr val="accent1"/>
+          </a:effectRef>
+          <a:fontRef idx="minor">
+            <a:schemeClr val="lt1"/>
+          </a:fontRef>
+        </p:style>
+        <p:txBody>
+          <a:bodyPr rtlCol="0" anchor="ctr"/>
+          <a:lstStyle/>
+          <a:p>
+            <a:pPr algn="ctr"/>
+            <a:endParaRPr lang="fr-FR"/>
+          </a:p>
+        </p:txBody>
+      </p:sp>
+      <p:sp>
+        <p:nvSpPr>
+          <p:cNvPr id="35" name="ZoneTexte 34">
+            <a:extLst>
+              <a:ext uri="{FF2B5EF4-FFF2-40B4-BE49-F238E27FC236}">
+                <a16:creationId xmlns:a16="http://schemas.microsoft.com/office/drawing/2014/main" id="{0F8256F1-BE72-BA7C-F9F9-3486AEEAB342}"/>
+              </a:ext>
+            </a:extLst>
+          </p:cNvPr>
+          <p:cNvSpPr txBox="1"/>
+          <p:nvPr/>
+        </p:nvSpPr>
+        <p:spPr>
+          <a:xfrm>
+            <a:off x="9714206" y="1660699"/>
+            <a:ext cx="584463" cy="1015663"/>
+          </a:xfrm>
+          <a:prstGeom prst="rect">
+            <a:avLst/>
+          </a:prstGeom>
+          <a:noFill/>
+        </p:spPr>
+        <p:txBody>
+          <a:bodyPr wrap="square" rtlCol="0">
+            <a:spAutoFit/>
+          </a:bodyPr>
+          <a:lstStyle/>
+          <a:p>
+            <a:pPr algn="ctr"/>
+            <a:r>
+              <a:rPr lang="fr-FR" sz="6000" dirty="0"/>
+              <a:t>O</a:t>
+            </a:r>
+          </a:p>
+        </p:txBody>
+      </p:sp>
+      <p:sp>
+        <p:nvSpPr>
+          <p:cNvPr id="36" name="Rectangle 35">
+            <a:extLst>
+              <a:ext uri="{FF2B5EF4-FFF2-40B4-BE49-F238E27FC236}">
+                <a16:creationId xmlns:a16="http://schemas.microsoft.com/office/drawing/2014/main" id="{CEF8AAB8-74C8-856F-3123-DD416F297D00}"/>
+              </a:ext>
+            </a:extLst>
+          </p:cNvPr>
+          <p:cNvSpPr/>
+          <p:nvPr/>
+        </p:nvSpPr>
+        <p:spPr>
+          <a:xfrm>
+            <a:off x="1871333" y="3103438"/>
+            <a:ext cx="1065229" cy="1024568"/>
+          </a:xfrm>
+          <a:prstGeom prst="rect">
+            <a:avLst/>
+          </a:prstGeom>
+          <a:solidFill>
+            <a:srgbClr val="A5A5A5"/>
+          </a:solidFill>
+          <a:ln w="38100">
+            <a:solidFill>
+              <a:schemeClr val="tx1"/>
+            </a:solidFill>
+          </a:ln>
+        </p:spPr>
+        <p:style>
+          <a:lnRef idx="2">
+            <a:schemeClr val="accent1">
+              <a:shade val="15000"/>
+            </a:schemeClr>
+          </a:lnRef>
+          <a:fillRef idx="1">
+            <a:schemeClr val="accent1"/>
+          </a:fillRef>
+          <a:effectRef idx="0">
+            <a:schemeClr val="accent1"/>
+          </a:effectRef>
+          <a:fontRef idx="minor">
+            <a:schemeClr val="lt1"/>
+          </a:fontRef>
+        </p:style>
+        <p:txBody>
+          <a:bodyPr rtlCol="0" anchor="ctr"/>
+          <a:lstStyle/>
+          <a:p>
+            <a:pPr algn="ctr"/>
+            <a:endParaRPr lang="fr-FR"/>
+          </a:p>
+        </p:txBody>
+      </p:sp>
+      <p:sp>
+        <p:nvSpPr>
+          <p:cNvPr id="37" name="ZoneTexte 36">
+            <a:extLst>
+              <a:ext uri="{FF2B5EF4-FFF2-40B4-BE49-F238E27FC236}">
+                <a16:creationId xmlns:a16="http://schemas.microsoft.com/office/drawing/2014/main" id="{385842CD-BDB0-1C56-9EDF-E106FB223BE4}"/>
+              </a:ext>
+            </a:extLst>
+          </p:cNvPr>
+          <p:cNvSpPr txBox="1"/>
+          <p:nvPr/>
+        </p:nvSpPr>
+        <p:spPr>
+          <a:xfrm>
+            <a:off x="2111715" y="3079876"/>
+            <a:ext cx="584463" cy="1015663"/>
+          </a:xfrm>
+          <a:prstGeom prst="rect">
+            <a:avLst/>
+          </a:prstGeom>
+          <a:noFill/>
+        </p:spPr>
+        <p:txBody>
+          <a:bodyPr wrap="square" rtlCol="0">
+            <a:spAutoFit/>
+          </a:bodyPr>
+          <a:lstStyle/>
+          <a:p>
+            <a:pPr algn="ctr"/>
+            <a:r>
+              <a:rPr lang="fr-FR" sz="6000" dirty="0"/>
+              <a:t>R</a:t>
+            </a:r>
+          </a:p>
+        </p:txBody>
+      </p:sp>
+      <p:sp>
+        <p:nvSpPr>
+          <p:cNvPr id="38" name="Rectangle 37">
+            <a:extLst>
+              <a:ext uri="{FF2B5EF4-FFF2-40B4-BE49-F238E27FC236}">
+                <a16:creationId xmlns:a16="http://schemas.microsoft.com/office/drawing/2014/main" id="{FE52DFE8-80CD-7225-BF44-C85A287FFD54}"/>
+              </a:ext>
+            </a:extLst>
+          </p:cNvPr>
+          <p:cNvSpPr/>
+          <p:nvPr/>
+        </p:nvSpPr>
+        <p:spPr>
+          <a:xfrm>
+            <a:off x="332519" y="3103438"/>
+            <a:ext cx="1065229" cy="1024568"/>
+          </a:xfrm>
+          <a:prstGeom prst="rect">
+            <a:avLst/>
+          </a:prstGeom>
+          <a:solidFill>
+            <a:srgbClr val="A5A5A5"/>
+          </a:solidFill>
+          <a:ln w="38100">
+            <a:solidFill>
+              <a:schemeClr val="tx1"/>
+            </a:solidFill>
+          </a:ln>
+        </p:spPr>
+        <p:style>
+          <a:lnRef idx="2">
+            <a:schemeClr val="accent1">
+              <a:shade val="15000"/>
+            </a:schemeClr>
+          </a:lnRef>
+          <a:fillRef idx="1">
+            <a:schemeClr val="accent1"/>
+          </a:fillRef>
+          <a:effectRef idx="0">
+            <a:schemeClr val="accent1"/>
+          </a:effectRef>
+          <a:fontRef idx="minor">
+            <a:schemeClr val="lt1"/>
+          </a:fontRef>
+        </p:style>
+        <p:txBody>
+          <a:bodyPr rtlCol="0" anchor="ctr"/>
+          <a:lstStyle/>
+          <a:p>
+            <a:pPr algn="ctr"/>
+            <a:endParaRPr lang="fr-FR"/>
+          </a:p>
+        </p:txBody>
+      </p:sp>
+      <p:sp>
+        <p:nvSpPr>
+          <p:cNvPr id="39" name="ZoneTexte 38">
+            <a:extLst>
+              <a:ext uri="{FF2B5EF4-FFF2-40B4-BE49-F238E27FC236}">
+                <a16:creationId xmlns:a16="http://schemas.microsoft.com/office/drawing/2014/main" id="{114DF4D9-1932-871F-CDA2-5EF0861CA801}"/>
+              </a:ext>
+            </a:extLst>
+          </p:cNvPr>
+          <p:cNvSpPr txBox="1"/>
+          <p:nvPr/>
+        </p:nvSpPr>
+        <p:spPr>
+          <a:xfrm>
+            <a:off x="572901" y="3079876"/>
+            <a:ext cx="584463" cy="1015663"/>
+          </a:xfrm>
+          <a:prstGeom prst="rect">
+            <a:avLst/>
+          </a:prstGeom>
+          <a:noFill/>
+        </p:spPr>
+        <p:txBody>
+          <a:bodyPr wrap="square" rtlCol="0">
+            <a:spAutoFit/>
+          </a:bodyPr>
+          <a:lstStyle/>
+          <a:p>
+            <a:pPr algn="ctr"/>
+            <a:r>
+              <a:rPr lang="fr-FR" sz="6000" dirty="0"/>
+              <a:t>Q</a:t>
+            </a:r>
+          </a:p>
+        </p:txBody>
+      </p:sp>
+      <p:sp>
+        <p:nvSpPr>
+          <p:cNvPr id="40" name="Rectangle 39">
+            <a:extLst>
+              <a:ext uri="{FF2B5EF4-FFF2-40B4-BE49-F238E27FC236}">
+                <a16:creationId xmlns:a16="http://schemas.microsoft.com/office/drawing/2014/main" id="{830A2D25-1C49-411A-CE6B-C807744A4385}"/>
+              </a:ext>
+            </a:extLst>
+          </p:cNvPr>
+          <p:cNvSpPr/>
+          <p:nvPr/>
+        </p:nvSpPr>
+        <p:spPr>
+          <a:xfrm>
+            <a:off x="5030771" y="3103438"/>
+            <a:ext cx="1065229" cy="1024568"/>
+          </a:xfrm>
+          <a:prstGeom prst="rect">
+            <a:avLst/>
+          </a:prstGeom>
+          <a:solidFill>
+            <a:srgbClr val="A5A5A5"/>
+          </a:solidFill>
+          <a:ln w="38100">
+            <a:solidFill>
+              <a:schemeClr val="tx1"/>
+            </a:solidFill>
+          </a:ln>
+        </p:spPr>
+        <p:style>
+          <a:lnRef idx="2">
+            <a:schemeClr val="accent1">
+              <a:shade val="15000"/>
+            </a:schemeClr>
+          </a:lnRef>
+          <a:fillRef idx="1">
+            <a:schemeClr val="accent1"/>
+          </a:fillRef>
+          <a:effectRef idx="0">
+            <a:schemeClr val="accent1"/>
+          </a:effectRef>
+          <a:fontRef idx="minor">
+            <a:schemeClr val="lt1"/>
+          </a:fontRef>
+        </p:style>
+        <p:txBody>
+          <a:bodyPr rtlCol="0" anchor="ctr"/>
+          <a:lstStyle/>
+          <a:p>
+            <a:pPr algn="ctr"/>
+            <a:endParaRPr lang="fr-FR"/>
+          </a:p>
+        </p:txBody>
+      </p:sp>
+      <p:sp>
+        <p:nvSpPr>
+          <p:cNvPr id="41" name="ZoneTexte 40">
+            <a:extLst>
+              <a:ext uri="{FF2B5EF4-FFF2-40B4-BE49-F238E27FC236}">
+                <a16:creationId xmlns:a16="http://schemas.microsoft.com/office/drawing/2014/main" id="{E7498108-05CD-C243-B119-A0D2E7ACC9E0}"/>
+              </a:ext>
+            </a:extLst>
+          </p:cNvPr>
+          <p:cNvSpPr txBox="1"/>
+          <p:nvPr/>
+        </p:nvSpPr>
+        <p:spPr>
+          <a:xfrm>
+            <a:off x="5271153" y="3079876"/>
+            <a:ext cx="584463" cy="1015663"/>
+          </a:xfrm>
+          <a:prstGeom prst="rect">
+            <a:avLst/>
+          </a:prstGeom>
+          <a:noFill/>
+        </p:spPr>
+        <p:txBody>
+          <a:bodyPr wrap="square" rtlCol="0">
+            <a:spAutoFit/>
+          </a:bodyPr>
+          <a:lstStyle/>
+          <a:p>
+            <a:pPr algn="ctr"/>
+            <a:r>
+              <a:rPr lang="fr-FR" sz="6000" dirty="0"/>
+              <a:t>T</a:t>
+            </a:r>
+          </a:p>
+        </p:txBody>
+      </p:sp>
+      <p:sp>
+        <p:nvSpPr>
+          <p:cNvPr id="42" name="Rectangle 41">
+            <a:extLst>
+              <a:ext uri="{FF2B5EF4-FFF2-40B4-BE49-F238E27FC236}">
+                <a16:creationId xmlns:a16="http://schemas.microsoft.com/office/drawing/2014/main" id="{19D79A97-2B2E-F656-237A-AB3A2BF36C03}"/>
+              </a:ext>
+            </a:extLst>
+          </p:cNvPr>
+          <p:cNvSpPr/>
+          <p:nvPr/>
+        </p:nvSpPr>
+        <p:spPr>
+          <a:xfrm>
+            <a:off x="3491957" y="3103438"/>
+            <a:ext cx="1065229" cy="1024568"/>
+          </a:xfrm>
+          <a:prstGeom prst="rect">
+            <a:avLst/>
+          </a:prstGeom>
+          <a:solidFill>
+            <a:srgbClr val="A5A5A5"/>
+          </a:solidFill>
+          <a:ln w="38100">
+            <a:solidFill>
+              <a:schemeClr val="tx1"/>
+            </a:solidFill>
+          </a:ln>
+        </p:spPr>
+        <p:style>
+          <a:lnRef idx="2">
+            <a:schemeClr val="accent1">
+              <a:shade val="15000"/>
+            </a:schemeClr>
+          </a:lnRef>
+          <a:fillRef idx="1">
+            <a:schemeClr val="accent1"/>
+          </a:fillRef>
+          <a:effectRef idx="0">
+            <a:schemeClr val="accent1"/>
+          </a:effectRef>
+          <a:fontRef idx="minor">
+            <a:schemeClr val="lt1"/>
+          </a:fontRef>
+        </p:style>
+        <p:txBody>
+          <a:bodyPr rtlCol="0" anchor="ctr"/>
+          <a:lstStyle/>
+          <a:p>
+            <a:pPr algn="ctr"/>
+            <a:endParaRPr lang="fr-FR"/>
+          </a:p>
+        </p:txBody>
+      </p:sp>
+      <p:sp>
+        <p:nvSpPr>
+          <p:cNvPr id="43" name="ZoneTexte 42">
+            <a:extLst>
+              <a:ext uri="{FF2B5EF4-FFF2-40B4-BE49-F238E27FC236}">
+                <a16:creationId xmlns:a16="http://schemas.microsoft.com/office/drawing/2014/main" id="{971567DA-9273-E8E8-9430-794A2B3FD7F9}"/>
+              </a:ext>
+            </a:extLst>
+          </p:cNvPr>
+          <p:cNvSpPr txBox="1"/>
+          <p:nvPr/>
+        </p:nvSpPr>
+        <p:spPr>
+          <a:xfrm>
+            <a:off x="3732339" y="3079876"/>
+            <a:ext cx="584463" cy="1015663"/>
+          </a:xfrm>
+          <a:prstGeom prst="rect">
+            <a:avLst/>
+          </a:prstGeom>
+          <a:noFill/>
+        </p:spPr>
+        <p:txBody>
+          <a:bodyPr wrap="square" rtlCol="0">
+            <a:spAutoFit/>
+          </a:bodyPr>
+          <a:lstStyle/>
+          <a:p>
+            <a:pPr algn="ctr"/>
+            <a:r>
+              <a:rPr lang="fr-FR" sz="6000" dirty="0"/>
+              <a:t>S</a:t>
+            </a:r>
+          </a:p>
+        </p:txBody>
+      </p:sp>
+      <p:sp>
+        <p:nvSpPr>
+          <p:cNvPr id="44" name="Rectangle 43">
+            <a:extLst>
+              <a:ext uri="{FF2B5EF4-FFF2-40B4-BE49-F238E27FC236}">
+                <a16:creationId xmlns:a16="http://schemas.microsoft.com/office/drawing/2014/main" id="{291430A1-F414-1D18-059A-22284588450C}"/>
+              </a:ext>
+            </a:extLst>
+          </p:cNvPr>
+          <p:cNvSpPr/>
+          <p:nvPr/>
+        </p:nvSpPr>
+        <p:spPr>
+          <a:xfrm>
+            <a:off x="7853200" y="3103438"/>
+            <a:ext cx="1065229" cy="1024568"/>
+          </a:xfrm>
+          <a:prstGeom prst="rect">
+            <a:avLst/>
+          </a:prstGeom>
+          <a:solidFill>
+            <a:srgbClr val="A5A5A5"/>
+          </a:solidFill>
+          <a:ln w="38100">
+            <a:solidFill>
+              <a:schemeClr val="tx1"/>
+            </a:solidFill>
+          </a:ln>
+        </p:spPr>
+        <p:style>
+          <a:lnRef idx="2">
+            <a:schemeClr val="accent1">
+              <a:shade val="15000"/>
+            </a:schemeClr>
+          </a:lnRef>
+          <a:fillRef idx="1">
+            <a:schemeClr val="accent1"/>
+          </a:fillRef>
+          <a:effectRef idx="0">
+            <a:schemeClr val="accent1"/>
+          </a:effectRef>
+          <a:fontRef idx="minor">
+            <a:schemeClr val="lt1"/>
+          </a:fontRef>
+        </p:style>
+        <p:txBody>
+          <a:bodyPr rtlCol="0" anchor="ctr"/>
+          <a:lstStyle/>
+          <a:p>
+            <a:pPr algn="ctr"/>
+            <a:endParaRPr lang="fr-FR"/>
+          </a:p>
+        </p:txBody>
+      </p:sp>
+      <p:sp>
+        <p:nvSpPr>
+          <p:cNvPr id="45" name="ZoneTexte 44">
+            <a:extLst>
+              <a:ext uri="{FF2B5EF4-FFF2-40B4-BE49-F238E27FC236}">
+                <a16:creationId xmlns:a16="http://schemas.microsoft.com/office/drawing/2014/main" id="{7E78DAF3-6D82-2CBC-74D2-F0A6281860CA}"/>
+              </a:ext>
+            </a:extLst>
+          </p:cNvPr>
+          <p:cNvSpPr txBox="1"/>
+          <p:nvPr/>
+        </p:nvSpPr>
+        <p:spPr>
+          <a:xfrm>
+            <a:off x="8093582" y="3079876"/>
+            <a:ext cx="584463" cy="1015663"/>
+          </a:xfrm>
+          <a:prstGeom prst="rect">
+            <a:avLst/>
+          </a:prstGeom>
+          <a:noFill/>
+        </p:spPr>
+        <p:txBody>
+          <a:bodyPr wrap="square" rtlCol="0">
+            <a:spAutoFit/>
+          </a:bodyPr>
+          <a:lstStyle/>
+          <a:p>
+            <a:pPr algn="ctr"/>
+            <a:r>
+              <a:rPr lang="fr-FR" sz="6000" dirty="0"/>
+              <a:t>V</a:t>
+            </a:r>
+          </a:p>
+        </p:txBody>
+      </p:sp>
+      <p:sp>
+        <p:nvSpPr>
+          <p:cNvPr id="46" name="Rectangle 45">
+            <a:extLst>
+              <a:ext uri="{FF2B5EF4-FFF2-40B4-BE49-F238E27FC236}">
+                <a16:creationId xmlns:a16="http://schemas.microsoft.com/office/drawing/2014/main" id="{B1219FF7-0FB3-1C26-C80A-72A9B6BBDEF3}"/>
+              </a:ext>
+            </a:extLst>
+          </p:cNvPr>
+          <p:cNvSpPr/>
+          <p:nvPr/>
+        </p:nvSpPr>
+        <p:spPr>
+          <a:xfrm>
+            <a:off x="6314386" y="3103438"/>
+            <a:ext cx="1065229" cy="1024568"/>
+          </a:xfrm>
+          <a:prstGeom prst="rect">
+            <a:avLst/>
+          </a:prstGeom>
+          <a:solidFill>
+            <a:srgbClr val="A5A5A5"/>
+          </a:solidFill>
+          <a:ln w="38100">
+            <a:solidFill>
+              <a:schemeClr val="tx1"/>
+            </a:solidFill>
+          </a:ln>
+        </p:spPr>
+        <p:style>
+          <a:lnRef idx="2">
+            <a:schemeClr val="accent1">
+              <a:shade val="15000"/>
+            </a:schemeClr>
+          </a:lnRef>
+          <a:fillRef idx="1">
+            <a:schemeClr val="accent1"/>
+          </a:fillRef>
+          <a:effectRef idx="0">
+            <a:schemeClr val="accent1"/>
+          </a:effectRef>
+          <a:fontRef idx="minor">
+            <a:schemeClr val="lt1"/>
+          </a:fontRef>
+        </p:style>
+        <p:txBody>
+          <a:bodyPr rtlCol="0" anchor="ctr"/>
+          <a:lstStyle/>
+          <a:p>
+            <a:pPr algn="ctr"/>
+            <a:endParaRPr lang="fr-FR"/>
+          </a:p>
+        </p:txBody>
+      </p:sp>
+      <p:sp>
+        <p:nvSpPr>
+          <p:cNvPr id="47" name="ZoneTexte 46">
+            <a:extLst>
+              <a:ext uri="{FF2B5EF4-FFF2-40B4-BE49-F238E27FC236}">
+                <a16:creationId xmlns:a16="http://schemas.microsoft.com/office/drawing/2014/main" id="{411F27D7-34DE-5328-809E-66ABB8C9A56C}"/>
+              </a:ext>
+            </a:extLst>
+          </p:cNvPr>
+          <p:cNvSpPr txBox="1"/>
+          <p:nvPr/>
+        </p:nvSpPr>
+        <p:spPr>
+          <a:xfrm>
+            <a:off x="6554768" y="3079876"/>
+            <a:ext cx="584463" cy="1015663"/>
+          </a:xfrm>
+          <a:prstGeom prst="rect">
+            <a:avLst/>
+          </a:prstGeom>
+          <a:noFill/>
+        </p:spPr>
+        <p:txBody>
+          <a:bodyPr wrap="square" rtlCol="0">
+            <a:spAutoFit/>
+          </a:bodyPr>
+          <a:lstStyle/>
+          <a:p>
+            <a:pPr algn="ctr"/>
+            <a:r>
+              <a:rPr lang="fr-FR" sz="6000" dirty="0"/>
+              <a:t>U</a:t>
+            </a:r>
+          </a:p>
+        </p:txBody>
+      </p:sp>
+      <p:sp>
+        <p:nvSpPr>
+          <p:cNvPr id="48" name="Rectangle 47">
+            <a:extLst>
+              <a:ext uri="{FF2B5EF4-FFF2-40B4-BE49-F238E27FC236}">
+                <a16:creationId xmlns:a16="http://schemas.microsoft.com/office/drawing/2014/main" id="{D08E65B2-F273-7A50-2B8C-812926B86E64}"/>
+              </a:ext>
+            </a:extLst>
+          </p:cNvPr>
+          <p:cNvSpPr/>
+          <p:nvPr/>
+        </p:nvSpPr>
+        <p:spPr>
+          <a:xfrm>
+            <a:off x="11012638" y="3103438"/>
+            <a:ext cx="1065229" cy="1024568"/>
+          </a:xfrm>
+          <a:prstGeom prst="rect">
+            <a:avLst/>
+          </a:prstGeom>
+          <a:solidFill>
+            <a:srgbClr val="A5A5A5"/>
+          </a:solidFill>
+          <a:ln w="38100">
+            <a:solidFill>
+              <a:schemeClr val="tx1"/>
+            </a:solidFill>
+          </a:ln>
+        </p:spPr>
+        <p:style>
+          <a:lnRef idx="2">
+            <a:schemeClr val="accent1">
+              <a:shade val="15000"/>
+            </a:schemeClr>
+          </a:lnRef>
+          <a:fillRef idx="1">
+            <a:schemeClr val="accent1"/>
+          </a:fillRef>
+          <a:effectRef idx="0">
+            <a:schemeClr val="accent1"/>
+          </a:effectRef>
+          <a:fontRef idx="minor">
+            <a:schemeClr val="lt1"/>
+          </a:fontRef>
+        </p:style>
+        <p:txBody>
+          <a:bodyPr rtlCol="0" anchor="ctr"/>
+          <a:lstStyle/>
+          <a:p>
+            <a:pPr algn="ctr"/>
+            <a:endParaRPr lang="fr-FR"/>
+          </a:p>
+        </p:txBody>
+      </p:sp>
+      <p:sp>
+        <p:nvSpPr>
+          <p:cNvPr id="49" name="ZoneTexte 48">
+            <a:extLst>
+              <a:ext uri="{FF2B5EF4-FFF2-40B4-BE49-F238E27FC236}">
+                <a16:creationId xmlns:a16="http://schemas.microsoft.com/office/drawing/2014/main" id="{3A1BD481-2ED9-B15F-AE71-E25227920548}"/>
+              </a:ext>
+            </a:extLst>
+          </p:cNvPr>
+          <p:cNvSpPr txBox="1"/>
+          <p:nvPr/>
+        </p:nvSpPr>
+        <p:spPr>
+          <a:xfrm>
+            <a:off x="11253020" y="3079876"/>
+            <a:ext cx="584463" cy="1015663"/>
+          </a:xfrm>
+          <a:prstGeom prst="rect">
+            <a:avLst/>
+          </a:prstGeom>
+          <a:noFill/>
+        </p:spPr>
+        <p:txBody>
+          <a:bodyPr wrap="square" rtlCol="0">
+            <a:spAutoFit/>
+          </a:bodyPr>
+          <a:lstStyle/>
+          <a:p>
+            <a:pPr algn="ctr"/>
+            <a:r>
+              <a:rPr lang="fr-FR" sz="6000" dirty="0"/>
+              <a:t>X</a:t>
+            </a:r>
+          </a:p>
+        </p:txBody>
+      </p:sp>
+      <p:sp>
+        <p:nvSpPr>
+          <p:cNvPr id="50" name="Rectangle 49">
+            <a:extLst>
+              <a:ext uri="{FF2B5EF4-FFF2-40B4-BE49-F238E27FC236}">
+                <a16:creationId xmlns:a16="http://schemas.microsoft.com/office/drawing/2014/main" id="{3564E75E-FA76-00D0-D035-E30BAACF760B}"/>
+              </a:ext>
+            </a:extLst>
+          </p:cNvPr>
+          <p:cNvSpPr/>
+          <p:nvPr/>
+        </p:nvSpPr>
+        <p:spPr>
+          <a:xfrm>
+            <a:off x="9473824" y="3103438"/>
+            <a:ext cx="1065229" cy="1024568"/>
+          </a:xfrm>
+          <a:prstGeom prst="rect">
+            <a:avLst/>
+          </a:prstGeom>
+          <a:solidFill>
+            <a:srgbClr val="A5A5A5"/>
+          </a:solidFill>
+          <a:ln w="38100">
+            <a:solidFill>
+              <a:schemeClr val="tx1"/>
+            </a:solidFill>
+          </a:ln>
+        </p:spPr>
+        <p:style>
+          <a:lnRef idx="2">
+            <a:schemeClr val="accent1">
+              <a:shade val="15000"/>
+            </a:schemeClr>
+          </a:lnRef>
+          <a:fillRef idx="1">
+            <a:schemeClr val="accent1"/>
+          </a:fillRef>
+          <a:effectRef idx="0">
+            <a:schemeClr val="accent1"/>
+          </a:effectRef>
+          <a:fontRef idx="minor">
+            <a:schemeClr val="lt1"/>
+          </a:fontRef>
+        </p:style>
+        <p:txBody>
+          <a:bodyPr rtlCol="0" anchor="ctr"/>
+          <a:lstStyle/>
+          <a:p>
+            <a:pPr algn="ctr"/>
+            <a:endParaRPr lang="fr-FR"/>
+          </a:p>
+        </p:txBody>
+      </p:sp>
+      <p:sp>
+        <p:nvSpPr>
+          <p:cNvPr id="51" name="ZoneTexte 50">
+            <a:extLst>
+              <a:ext uri="{FF2B5EF4-FFF2-40B4-BE49-F238E27FC236}">
+                <a16:creationId xmlns:a16="http://schemas.microsoft.com/office/drawing/2014/main" id="{042C1AB7-A02A-29C2-C45C-77436E4001D1}"/>
+              </a:ext>
+            </a:extLst>
+          </p:cNvPr>
+          <p:cNvSpPr txBox="1"/>
+          <p:nvPr/>
+        </p:nvSpPr>
+        <p:spPr>
+          <a:xfrm>
+            <a:off x="9714206" y="3079876"/>
+            <a:ext cx="584463" cy="1015663"/>
+          </a:xfrm>
+          <a:prstGeom prst="rect">
+            <a:avLst/>
+          </a:prstGeom>
+          <a:noFill/>
+        </p:spPr>
+        <p:txBody>
+          <a:bodyPr wrap="square" rtlCol="0">
+            <a:spAutoFit/>
+          </a:bodyPr>
+          <a:lstStyle/>
+          <a:p>
+            <a:pPr algn="ctr"/>
+            <a:r>
+              <a:rPr lang="fr-FR" sz="6000" dirty="0"/>
+              <a:t>W</a:t>
+            </a:r>
+          </a:p>
+        </p:txBody>
+      </p:sp>
+      <p:sp>
+        <p:nvSpPr>
+          <p:cNvPr id="52" name="Rectangle 51">
+            <a:extLst>
+              <a:ext uri="{FF2B5EF4-FFF2-40B4-BE49-F238E27FC236}">
+                <a16:creationId xmlns:a16="http://schemas.microsoft.com/office/drawing/2014/main" id="{7B20F788-2C4C-366B-3D10-F2CEF1895D88}"/>
+              </a:ext>
+            </a:extLst>
+          </p:cNvPr>
+          <p:cNvSpPr/>
+          <p:nvPr/>
+        </p:nvSpPr>
+        <p:spPr>
+          <a:xfrm>
+            <a:off x="1871333" y="4361473"/>
+            <a:ext cx="1065229" cy="1024568"/>
+          </a:xfrm>
+          <a:prstGeom prst="rect">
+            <a:avLst/>
+          </a:prstGeom>
+          <a:solidFill>
+            <a:srgbClr val="A5A5A5"/>
+          </a:solidFill>
+          <a:ln w="38100">
+            <a:solidFill>
+              <a:schemeClr val="tx1"/>
+            </a:solidFill>
+          </a:ln>
+        </p:spPr>
+        <p:style>
+          <a:lnRef idx="2">
+            <a:schemeClr val="accent1">
+              <a:shade val="15000"/>
+            </a:schemeClr>
+          </a:lnRef>
+          <a:fillRef idx="1">
+            <a:schemeClr val="accent1"/>
+          </a:fillRef>
+          <a:effectRef idx="0">
+            <a:schemeClr val="accent1"/>
+          </a:effectRef>
+          <a:fontRef idx="minor">
+            <a:schemeClr val="lt1"/>
+          </a:fontRef>
+        </p:style>
+        <p:txBody>
+          <a:bodyPr rtlCol="0" anchor="ctr"/>
+          <a:lstStyle/>
+          <a:p>
+            <a:pPr algn="ctr"/>
+            <a:endParaRPr lang="fr-FR"/>
+          </a:p>
+        </p:txBody>
+      </p:sp>
+      <p:sp>
+        <p:nvSpPr>
+          <p:cNvPr id="53" name="ZoneTexte 52">
+            <a:extLst>
+              <a:ext uri="{FF2B5EF4-FFF2-40B4-BE49-F238E27FC236}">
+                <a16:creationId xmlns:a16="http://schemas.microsoft.com/office/drawing/2014/main" id="{850DBEFB-A8D1-8373-96F4-7F84B9C1B755}"/>
+              </a:ext>
+            </a:extLst>
+          </p:cNvPr>
+          <p:cNvSpPr txBox="1"/>
+          <p:nvPr/>
+        </p:nvSpPr>
+        <p:spPr>
+          <a:xfrm>
+            <a:off x="2111715" y="4337911"/>
+            <a:ext cx="584463" cy="1015663"/>
+          </a:xfrm>
+          <a:prstGeom prst="rect">
+            <a:avLst/>
+          </a:prstGeom>
+          <a:noFill/>
+        </p:spPr>
+        <p:txBody>
+          <a:bodyPr wrap="square" rtlCol="0">
+            <a:spAutoFit/>
+          </a:bodyPr>
+          <a:lstStyle/>
+          <a:p>
+            <a:pPr algn="ctr"/>
+            <a:r>
+              <a:rPr lang="fr-FR" sz="6000" dirty="0"/>
+              <a:t>Z</a:t>
+            </a:r>
+          </a:p>
+        </p:txBody>
+      </p:sp>
+      <p:sp>
+        <p:nvSpPr>
+          <p:cNvPr id="54" name="Rectangle 53">
+            <a:extLst>
+              <a:ext uri="{FF2B5EF4-FFF2-40B4-BE49-F238E27FC236}">
+                <a16:creationId xmlns:a16="http://schemas.microsoft.com/office/drawing/2014/main" id="{EE35F6A5-A9AF-EDA4-33A2-8EBC276E7186}"/>
+              </a:ext>
+            </a:extLst>
+          </p:cNvPr>
+          <p:cNvSpPr/>
+          <p:nvPr/>
+        </p:nvSpPr>
+        <p:spPr>
+          <a:xfrm>
+            <a:off x="332519" y="4361473"/>
+            <a:ext cx="1065229" cy="1024568"/>
+          </a:xfrm>
+          <a:prstGeom prst="rect">
+            <a:avLst/>
+          </a:prstGeom>
+          <a:solidFill>
+            <a:srgbClr val="A5A5A5"/>
+          </a:solidFill>
+          <a:ln w="38100">
+            <a:solidFill>
+              <a:schemeClr val="tx1"/>
+            </a:solidFill>
+          </a:ln>
+        </p:spPr>
+        <p:style>
+          <a:lnRef idx="2">
+            <a:schemeClr val="accent1">
+              <a:shade val="15000"/>
+            </a:schemeClr>
+          </a:lnRef>
+          <a:fillRef idx="1">
+            <a:schemeClr val="accent1"/>
+          </a:fillRef>
+          <a:effectRef idx="0">
+            <a:schemeClr val="accent1"/>
+          </a:effectRef>
+          <a:fontRef idx="minor">
+            <a:schemeClr val="lt1"/>
+          </a:fontRef>
+        </p:style>
+        <p:txBody>
+          <a:bodyPr rtlCol="0" anchor="ctr"/>
+          <a:lstStyle/>
+          <a:p>
+            <a:pPr algn="ctr"/>
+            <a:endParaRPr lang="fr-FR"/>
+          </a:p>
+        </p:txBody>
+      </p:sp>
+      <p:sp>
+        <p:nvSpPr>
+          <p:cNvPr id="55" name="ZoneTexte 54">
+            <a:extLst>
+              <a:ext uri="{FF2B5EF4-FFF2-40B4-BE49-F238E27FC236}">
+                <a16:creationId xmlns:a16="http://schemas.microsoft.com/office/drawing/2014/main" id="{D8CC603C-A4C9-33EC-2B51-52879103B4E6}"/>
+              </a:ext>
+            </a:extLst>
+          </p:cNvPr>
+          <p:cNvSpPr txBox="1"/>
+          <p:nvPr/>
+        </p:nvSpPr>
+        <p:spPr>
+          <a:xfrm>
+            <a:off x="572901" y="4337911"/>
+            <a:ext cx="584463" cy="1015663"/>
+          </a:xfrm>
+          <a:prstGeom prst="rect">
+            <a:avLst/>
+          </a:prstGeom>
+          <a:noFill/>
+        </p:spPr>
+        <p:txBody>
+          <a:bodyPr wrap="square" rtlCol="0">
+            <a:spAutoFit/>
+          </a:bodyPr>
+          <a:lstStyle/>
+          <a:p>
+            <a:pPr algn="ctr"/>
+            <a:r>
+              <a:rPr lang="fr-FR" sz="6000" dirty="0"/>
+              <a:t>Y</a:t>
+            </a:r>
+          </a:p>
+        </p:txBody>
+      </p:sp>
+      <p:sp>
+        <p:nvSpPr>
+          <p:cNvPr id="56" name="Rectangle 55">
+            <a:extLst>
+              <a:ext uri="{FF2B5EF4-FFF2-40B4-BE49-F238E27FC236}">
+                <a16:creationId xmlns:a16="http://schemas.microsoft.com/office/drawing/2014/main" id="{D19BA9EC-A377-6005-805A-96BE0EB85201}"/>
+              </a:ext>
+            </a:extLst>
+          </p:cNvPr>
+          <p:cNvSpPr/>
+          <p:nvPr/>
+        </p:nvSpPr>
+        <p:spPr>
+          <a:xfrm>
+            <a:off x="5030771" y="4361473"/>
+            <a:ext cx="1065229" cy="1024568"/>
+          </a:xfrm>
+          <a:prstGeom prst="rect">
+            <a:avLst/>
+          </a:prstGeom>
+          <a:solidFill>
+            <a:srgbClr val="A5A5A5"/>
+          </a:solidFill>
+          <a:ln w="38100">
+            <a:solidFill>
+              <a:schemeClr val="tx1"/>
+            </a:solidFill>
+          </a:ln>
+        </p:spPr>
+        <p:style>
+          <a:lnRef idx="2">
+            <a:schemeClr val="accent1">
+              <a:shade val="15000"/>
+            </a:schemeClr>
+          </a:lnRef>
+          <a:fillRef idx="1">
+            <a:schemeClr val="accent1"/>
+          </a:fillRef>
+          <a:effectRef idx="0">
+            <a:schemeClr val="accent1"/>
+          </a:effectRef>
+          <a:fontRef idx="minor">
+            <a:schemeClr val="lt1"/>
+          </a:fontRef>
+        </p:style>
+        <p:txBody>
+          <a:bodyPr rtlCol="0" anchor="ctr"/>
+          <a:lstStyle/>
+          <a:p>
+            <a:pPr algn="ctr"/>
+            <a:endParaRPr lang="fr-FR"/>
+          </a:p>
+        </p:txBody>
+      </p:sp>
+      <p:sp>
+        <p:nvSpPr>
+          <p:cNvPr id="57" name="ZoneTexte 56">
+            <a:extLst>
+              <a:ext uri="{FF2B5EF4-FFF2-40B4-BE49-F238E27FC236}">
+                <a16:creationId xmlns:a16="http://schemas.microsoft.com/office/drawing/2014/main" id="{3895DE30-D290-1122-C509-B8D70319DD6C}"/>
+              </a:ext>
+            </a:extLst>
+          </p:cNvPr>
+          <p:cNvSpPr txBox="1"/>
+          <p:nvPr/>
+        </p:nvSpPr>
+        <p:spPr>
+          <a:xfrm>
+            <a:off x="5271153" y="4337911"/>
+            <a:ext cx="584463" cy="1015663"/>
+          </a:xfrm>
+          <a:prstGeom prst="rect">
+            <a:avLst/>
+          </a:prstGeom>
+          <a:noFill/>
+        </p:spPr>
+        <p:txBody>
+          <a:bodyPr wrap="square" rtlCol="0">
+            <a:spAutoFit/>
+          </a:bodyPr>
+          <a:lstStyle/>
+          <a:p>
+            <a:pPr algn="ctr"/>
+            <a:r>
+              <a:rPr lang="fr-FR" sz="6000" dirty="0"/>
+              <a:t>B</a:t>
+            </a:r>
+          </a:p>
+        </p:txBody>
+      </p:sp>
+      <p:sp>
+        <p:nvSpPr>
+          <p:cNvPr id="58" name="Rectangle 57">
+            <a:extLst>
+              <a:ext uri="{FF2B5EF4-FFF2-40B4-BE49-F238E27FC236}">
+                <a16:creationId xmlns:a16="http://schemas.microsoft.com/office/drawing/2014/main" id="{EB2878CC-4FFD-2366-DC99-C8B6923BF363}"/>
+              </a:ext>
+            </a:extLst>
+          </p:cNvPr>
+          <p:cNvSpPr/>
+          <p:nvPr/>
+        </p:nvSpPr>
+        <p:spPr>
+          <a:xfrm>
+            <a:off x="3491957" y="4361473"/>
+            <a:ext cx="1065229" cy="1024568"/>
+          </a:xfrm>
+          <a:prstGeom prst="rect">
+            <a:avLst/>
+          </a:prstGeom>
+          <a:solidFill>
+            <a:srgbClr val="A5A5A5"/>
+          </a:solidFill>
+          <a:ln w="38100">
+            <a:solidFill>
+              <a:schemeClr val="tx1"/>
+            </a:solidFill>
+          </a:ln>
+        </p:spPr>
+        <p:style>
+          <a:lnRef idx="2">
+            <a:schemeClr val="accent1">
+              <a:shade val="15000"/>
+            </a:schemeClr>
+          </a:lnRef>
+          <a:fillRef idx="1">
+            <a:schemeClr val="accent1"/>
+          </a:fillRef>
+          <a:effectRef idx="0">
+            <a:schemeClr val="accent1"/>
+          </a:effectRef>
+          <a:fontRef idx="minor">
+            <a:schemeClr val="lt1"/>
+          </a:fontRef>
+        </p:style>
+        <p:txBody>
+          <a:bodyPr rtlCol="0" anchor="ctr"/>
+          <a:lstStyle/>
+          <a:p>
+            <a:pPr algn="ctr"/>
+            <a:endParaRPr lang="fr-FR"/>
+          </a:p>
+        </p:txBody>
+      </p:sp>
+      <p:sp>
+        <p:nvSpPr>
+          <p:cNvPr id="59" name="ZoneTexte 58">
+            <a:extLst>
+              <a:ext uri="{FF2B5EF4-FFF2-40B4-BE49-F238E27FC236}">
+                <a16:creationId xmlns:a16="http://schemas.microsoft.com/office/drawing/2014/main" id="{3C782A3A-2CD8-838D-3991-436A0BF7F8D1}"/>
+              </a:ext>
+            </a:extLst>
+          </p:cNvPr>
+          <p:cNvSpPr txBox="1"/>
+          <p:nvPr/>
+        </p:nvSpPr>
+        <p:spPr>
+          <a:xfrm>
+            <a:off x="3732339" y="4386611"/>
+            <a:ext cx="584463" cy="1015663"/>
+          </a:xfrm>
+          <a:prstGeom prst="rect">
+            <a:avLst/>
+          </a:prstGeom>
+          <a:noFill/>
+        </p:spPr>
+        <p:txBody>
+          <a:bodyPr wrap="square" rtlCol="0">
+            <a:spAutoFit/>
+          </a:bodyPr>
+          <a:lstStyle/>
+          <a:p>
+            <a:pPr algn="ctr"/>
+            <a:r>
+              <a:rPr lang="fr-FR" sz="6000" dirty="0"/>
+              <a:t>É</a:t>
+            </a:r>
+          </a:p>
+        </p:txBody>
+      </p:sp>
+      <p:sp>
+        <p:nvSpPr>
+          <p:cNvPr id="60" name="Rectangle 59">
+            <a:extLst>
+              <a:ext uri="{FF2B5EF4-FFF2-40B4-BE49-F238E27FC236}">
+                <a16:creationId xmlns:a16="http://schemas.microsoft.com/office/drawing/2014/main" id="{C8F4FBD7-A676-328E-8149-6D1342EE8061}"/>
+              </a:ext>
+            </a:extLst>
+          </p:cNvPr>
+          <p:cNvSpPr/>
+          <p:nvPr/>
+        </p:nvSpPr>
+        <p:spPr>
+          <a:xfrm>
+            <a:off x="7853200" y="4361473"/>
+            <a:ext cx="1065229" cy="1024568"/>
+          </a:xfrm>
+          <a:prstGeom prst="rect">
+            <a:avLst/>
+          </a:prstGeom>
+          <a:solidFill>
+            <a:srgbClr val="A5A5A5"/>
+          </a:solidFill>
+          <a:ln w="38100">
+            <a:solidFill>
+              <a:schemeClr val="tx1"/>
+            </a:solidFill>
+          </a:ln>
+        </p:spPr>
+        <p:style>
+          <a:lnRef idx="2">
+            <a:schemeClr val="accent1">
+              <a:shade val="15000"/>
+            </a:schemeClr>
+          </a:lnRef>
+          <a:fillRef idx="1">
+            <a:schemeClr val="accent1"/>
+          </a:fillRef>
+          <a:effectRef idx="0">
+            <a:schemeClr val="accent1"/>
+          </a:effectRef>
+          <a:fontRef idx="minor">
+            <a:schemeClr val="lt1"/>
+          </a:fontRef>
+        </p:style>
+        <p:txBody>
+          <a:bodyPr rtlCol="0" anchor="ctr"/>
+          <a:lstStyle/>
+          <a:p>
+            <a:pPr algn="ctr"/>
+            <a:endParaRPr lang="fr-FR"/>
+          </a:p>
+        </p:txBody>
+      </p:sp>
+      <p:sp>
+        <p:nvSpPr>
+          <p:cNvPr id="61" name="ZoneTexte 60">
+            <a:extLst>
+              <a:ext uri="{FF2B5EF4-FFF2-40B4-BE49-F238E27FC236}">
+                <a16:creationId xmlns:a16="http://schemas.microsoft.com/office/drawing/2014/main" id="{74A5D334-38A3-9844-3548-DDB2769885F6}"/>
+              </a:ext>
+            </a:extLst>
+          </p:cNvPr>
+          <p:cNvSpPr txBox="1"/>
+          <p:nvPr/>
+        </p:nvSpPr>
+        <p:spPr>
+          <a:xfrm>
+            <a:off x="8093582" y="4337911"/>
+            <a:ext cx="584463" cy="1015663"/>
+          </a:xfrm>
+          <a:prstGeom prst="rect">
+            <a:avLst/>
+          </a:prstGeom>
+          <a:noFill/>
+        </p:spPr>
+        <p:txBody>
+          <a:bodyPr wrap="square" rtlCol="0">
+            <a:spAutoFit/>
+          </a:bodyPr>
+          <a:lstStyle/>
+          <a:p>
+            <a:pPr algn="ctr"/>
+            <a:r>
+              <a:rPr lang="fr-FR" sz="6000" dirty="0"/>
+              <a:t>B</a:t>
+            </a:r>
+          </a:p>
+        </p:txBody>
+      </p:sp>
+      <p:sp>
+        <p:nvSpPr>
+          <p:cNvPr id="62" name="Rectangle 61">
+            <a:extLst>
+              <a:ext uri="{FF2B5EF4-FFF2-40B4-BE49-F238E27FC236}">
+                <a16:creationId xmlns:a16="http://schemas.microsoft.com/office/drawing/2014/main" id="{09CF0121-FC07-1BB1-F00C-1E238E85379F}"/>
+              </a:ext>
+            </a:extLst>
+          </p:cNvPr>
+          <p:cNvSpPr/>
+          <p:nvPr/>
+        </p:nvSpPr>
+        <p:spPr>
+          <a:xfrm>
+            <a:off x="6314386" y="4361473"/>
+            <a:ext cx="1065229" cy="1024568"/>
+          </a:xfrm>
+          <a:prstGeom prst="rect">
+            <a:avLst/>
+          </a:prstGeom>
+          <a:solidFill>
+            <a:srgbClr val="A5A5A5"/>
+          </a:solidFill>
+          <a:ln w="38100">
+            <a:solidFill>
+              <a:schemeClr val="tx1"/>
+            </a:solidFill>
+          </a:ln>
+        </p:spPr>
+        <p:style>
+          <a:lnRef idx="2">
+            <a:schemeClr val="accent1">
+              <a:shade val="15000"/>
+            </a:schemeClr>
+          </a:lnRef>
+          <a:fillRef idx="1">
+            <a:schemeClr val="accent1"/>
+          </a:fillRef>
+          <a:effectRef idx="0">
+            <a:schemeClr val="accent1"/>
+          </a:effectRef>
+          <a:fontRef idx="minor">
+            <a:schemeClr val="lt1"/>
+          </a:fontRef>
+        </p:style>
+        <p:txBody>
+          <a:bodyPr rtlCol="0" anchor="ctr"/>
+          <a:lstStyle/>
+          <a:p>
+            <a:pPr algn="ctr"/>
+            <a:endParaRPr lang="fr-FR"/>
+          </a:p>
+        </p:txBody>
+      </p:sp>
+      <p:sp>
+        <p:nvSpPr>
+          <p:cNvPr id="63" name="ZoneTexte 62">
+            <a:extLst>
+              <a:ext uri="{FF2B5EF4-FFF2-40B4-BE49-F238E27FC236}">
+                <a16:creationId xmlns:a16="http://schemas.microsoft.com/office/drawing/2014/main" id="{7CD44B6C-D166-61AE-235D-685DEEBF516B}"/>
+              </a:ext>
+            </a:extLst>
+          </p:cNvPr>
+          <p:cNvSpPr txBox="1"/>
+          <p:nvPr/>
+        </p:nvSpPr>
+        <p:spPr>
+          <a:xfrm>
+            <a:off x="6554768" y="4337911"/>
+            <a:ext cx="584463" cy="1015663"/>
+          </a:xfrm>
+          <a:prstGeom prst="rect">
+            <a:avLst/>
+          </a:prstGeom>
+          <a:noFill/>
+        </p:spPr>
+        <p:txBody>
+          <a:bodyPr wrap="square" rtlCol="0">
+            <a:spAutoFit/>
+          </a:bodyPr>
+          <a:lstStyle/>
+          <a:p>
+            <a:pPr algn="ctr"/>
+            <a:r>
+              <a:rPr lang="fr-FR" sz="6000" dirty="0"/>
+              <a:t>B</a:t>
+            </a:r>
+          </a:p>
+        </p:txBody>
+      </p:sp>
+      <p:sp>
+        <p:nvSpPr>
+          <p:cNvPr id="64" name="Rectangle 63">
+            <a:extLst>
+              <a:ext uri="{FF2B5EF4-FFF2-40B4-BE49-F238E27FC236}">
+                <a16:creationId xmlns:a16="http://schemas.microsoft.com/office/drawing/2014/main" id="{BC456DE0-CFD5-3A3D-6A0E-E792E8DD03B5}"/>
+              </a:ext>
+            </a:extLst>
+          </p:cNvPr>
+          <p:cNvSpPr/>
+          <p:nvPr/>
+        </p:nvSpPr>
+        <p:spPr>
+          <a:xfrm>
+            <a:off x="11012638" y="4361473"/>
+            <a:ext cx="1065229" cy="1024568"/>
+          </a:xfrm>
+          <a:prstGeom prst="rect">
+            <a:avLst/>
+          </a:prstGeom>
+          <a:solidFill>
+            <a:srgbClr val="A5A5A5"/>
+          </a:solidFill>
+          <a:ln w="38100">
+            <a:solidFill>
+              <a:schemeClr val="tx1"/>
+            </a:solidFill>
+          </a:ln>
+        </p:spPr>
+        <p:style>
+          <a:lnRef idx="2">
+            <a:schemeClr val="accent1">
+              <a:shade val="15000"/>
+            </a:schemeClr>
+          </a:lnRef>
+          <a:fillRef idx="1">
+            <a:schemeClr val="accent1"/>
+          </a:fillRef>
+          <a:effectRef idx="0">
+            <a:schemeClr val="accent1"/>
+          </a:effectRef>
+          <a:fontRef idx="minor">
+            <a:schemeClr val="lt1"/>
+          </a:fontRef>
+        </p:style>
+        <p:txBody>
+          <a:bodyPr rtlCol="0" anchor="ctr"/>
+          <a:lstStyle/>
+          <a:p>
+            <a:pPr algn="ctr"/>
+            <a:endParaRPr lang="fr-FR"/>
+          </a:p>
+        </p:txBody>
+      </p:sp>
+      <p:sp>
+        <p:nvSpPr>
+          <p:cNvPr id="65" name="ZoneTexte 64">
+            <a:extLst>
+              <a:ext uri="{FF2B5EF4-FFF2-40B4-BE49-F238E27FC236}">
+                <a16:creationId xmlns:a16="http://schemas.microsoft.com/office/drawing/2014/main" id="{49209C7C-0ABA-FA99-4322-AC62790FA4D6}"/>
+              </a:ext>
+            </a:extLst>
+          </p:cNvPr>
+          <p:cNvSpPr txBox="1"/>
+          <p:nvPr/>
+        </p:nvSpPr>
+        <p:spPr>
+          <a:xfrm>
+            <a:off x="11253020" y="4337911"/>
+            <a:ext cx="584463" cy="1015663"/>
+          </a:xfrm>
+          <a:prstGeom prst="rect">
+            <a:avLst/>
+          </a:prstGeom>
+          <a:noFill/>
+        </p:spPr>
+        <p:txBody>
+          <a:bodyPr wrap="square" rtlCol="0">
+            <a:spAutoFit/>
+          </a:bodyPr>
+          <a:lstStyle/>
+          <a:p>
+            <a:pPr algn="ctr"/>
+            <a:r>
+              <a:rPr lang="fr-FR" sz="6000" dirty="0"/>
+              <a:t>B</a:t>
+            </a:r>
+          </a:p>
+        </p:txBody>
+      </p:sp>
+      <p:sp>
+        <p:nvSpPr>
+          <p:cNvPr id="66" name="Rectangle 65">
+            <a:extLst>
+              <a:ext uri="{FF2B5EF4-FFF2-40B4-BE49-F238E27FC236}">
+                <a16:creationId xmlns:a16="http://schemas.microsoft.com/office/drawing/2014/main" id="{F1270558-FC47-A4C0-C515-CF38CC77A1CE}"/>
+              </a:ext>
+            </a:extLst>
+          </p:cNvPr>
+          <p:cNvSpPr/>
+          <p:nvPr/>
+        </p:nvSpPr>
+        <p:spPr>
+          <a:xfrm>
+            <a:off x="9473824" y="4361473"/>
+            <a:ext cx="1065229" cy="1024568"/>
+          </a:xfrm>
+          <a:prstGeom prst="rect">
+            <a:avLst/>
+          </a:prstGeom>
+          <a:solidFill>
+            <a:srgbClr val="A5A5A5"/>
+          </a:solidFill>
+          <a:ln w="38100">
+            <a:solidFill>
+              <a:schemeClr val="tx1"/>
+            </a:solidFill>
+          </a:ln>
+        </p:spPr>
+        <p:style>
+          <a:lnRef idx="2">
+            <a:schemeClr val="accent1">
+              <a:shade val="15000"/>
+            </a:schemeClr>
+          </a:lnRef>
+          <a:fillRef idx="1">
+            <a:schemeClr val="accent1"/>
+          </a:fillRef>
+          <a:effectRef idx="0">
+            <a:schemeClr val="accent1"/>
+          </a:effectRef>
+          <a:fontRef idx="minor">
+            <a:schemeClr val="lt1"/>
+          </a:fontRef>
+        </p:style>
+        <p:txBody>
+          <a:bodyPr rtlCol="0" anchor="ctr"/>
+          <a:lstStyle/>
+          <a:p>
+            <a:pPr algn="ctr"/>
+            <a:endParaRPr lang="fr-FR"/>
+          </a:p>
+        </p:txBody>
+      </p:sp>
+      <p:sp>
+        <p:nvSpPr>
+          <p:cNvPr id="67" name="ZoneTexte 66">
+            <a:extLst>
+              <a:ext uri="{FF2B5EF4-FFF2-40B4-BE49-F238E27FC236}">
+                <a16:creationId xmlns:a16="http://schemas.microsoft.com/office/drawing/2014/main" id="{8C57A9E4-2B8F-E659-A085-B73C4B5F5F8B}"/>
+              </a:ext>
+            </a:extLst>
+          </p:cNvPr>
+          <p:cNvSpPr txBox="1"/>
+          <p:nvPr/>
+        </p:nvSpPr>
+        <p:spPr>
+          <a:xfrm>
+            <a:off x="9714206" y="4337911"/>
+            <a:ext cx="584463" cy="1015663"/>
+          </a:xfrm>
+          <a:prstGeom prst="rect">
+            <a:avLst/>
+          </a:prstGeom>
+          <a:noFill/>
+        </p:spPr>
+        <p:txBody>
+          <a:bodyPr wrap="square" rtlCol="0">
+            <a:spAutoFit/>
+          </a:bodyPr>
+          <a:lstStyle/>
+          <a:p>
+            <a:pPr algn="ctr"/>
+            <a:r>
+              <a:rPr lang="fr-FR" sz="6000" dirty="0"/>
+              <a:t>B</a:t>
+            </a:r>
+          </a:p>
+        </p:txBody>
+      </p:sp>
+      <p:sp>
+        <p:nvSpPr>
+          <p:cNvPr id="68" name="Rectangle 67">
+            <a:extLst>
+              <a:ext uri="{FF2B5EF4-FFF2-40B4-BE49-F238E27FC236}">
+                <a16:creationId xmlns:a16="http://schemas.microsoft.com/office/drawing/2014/main" id="{802581DA-080B-D6A1-50B7-70276572E518}"/>
+              </a:ext>
+            </a:extLst>
+          </p:cNvPr>
+          <p:cNvSpPr/>
+          <p:nvPr/>
+        </p:nvSpPr>
+        <p:spPr>
+          <a:xfrm>
+            <a:off x="1850345" y="5618385"/>
+            <a:ext cx="1065229" cy="1024568"/>
+          </a:xfrm>
+          <a:prstGeom prst="rect">
+            <a:avLst/>
+          </a:prstGeom>
+          <a:solidFill>
+            <a:srgbClr val="A5A5A5"/>
+          </a:solidFill>
+          <a:ln w="38100">
+            <a:solidFill>
+              <a:schemeClr val="tx1"/>
+            </a:solidFill>
+          </a:ln>
+        </p:spPr>
+        <p:style>
+          <a:lnRef idx="2">
+            <a:schemeClr val="accent1">
+              <a:shade val="15000"/>
+            </a:schemeClr>
+          </a:lnRef>
+          <a:fillRef idx="1">
+            <a:schemeClr val="accent1"/>
+          </a:fillRef>
+          <a:effectRef idx="0">
+            <a:schemeClr val="accent1"/>
+          </a:effectRef>
+          <a:fontRef idx="minor">
+            <a:schemeClr val="lt1"/>
+          </a:fontRef>
+        </p:style>
+        <p:txBody>
+          <a:bodyPr rtlCol="0" anchor="ctr"/>
+          <a:lstStyle/>
+          <a:p>
+            <a:pPr algn="ctr"/>
+            <a:endParaRPr lang="fr-FR"/>
+          </a:p>
+        </p:txBody>
+      </p:sp>
+      <p:sp>
+        <p:nvSpPr>
+          <p:cNvPr id="69" name="ZoneTexte 68">
+            <a:extLst>
+              <a:ext uri="{FF2B5EF4-FFF2-40B4-BE49-F238E27FC236}">
+                <a16:creationId xmlns:a16="http://schemas.microsoft.com/office/drawing/2014/main" id="{5CEEA058-D4D6-54C6-6BF8-AC3E3A32DED9}"/>
+              </a:ext>
+            </a:extLst>
+          </p:cNvPr>
+          <p:cNvSpPr txBox="1"/>
+          <p:nvPr/>
+        </p:nvSpPr>
+        <p:spPr>
+          <a:xfrm>
+            <a:off x="2090727" y="5594823"/>
+            <a:ext cx="584463" cy="1015663"/>
+          </a:xfrm>
+          <a:prstGeom prst="rect">
+            <a:avLst/>
+          </a:prstGeom>
+          <a:noFill/>
+        </p:spPr>
+        <p:txBody>
+          <a:bodyPr wrap="square" rtlCol="0">
+            <a:spAutoFit/>
+          </a:bodyPr>
+          <a:lstStyle/>
+          <a:p>
+            <a:pPr algn="ctr"/>
+            <a:r>
+              <a:rPr lang="fr-FR" sz="6000" dirty="0"/>
+              <a:t>B</a:t>
+            </a:r>
+          </a:p>
+        </p:txBody>
+      </p:sp>
+      <p:sp>
+        <p:nvSpPr>
+          <p:cNvPr id="70" name="Rectangle 69">
+            <a:extLst>
+              <a:ext uri="{FF2B5EF4-FFF2-40B4-BE49-F238E27FC236}">
+                <a16:creationId xmlns:a16="http://schemas.microsoft.com/office/drawing/2014/main" id="{7FE897E8-EB9C-9095-889D-856C2A8C617F}"/>
+              </a:ext>
+            </a:extLst>
+          </p:cNvPr>
+          <p:cNvSpPr/>
+          <p:nvPr/>
+        </p:nvSpPr>
+        <p:spPr>
+          <a:xfrm>
+            <a:off x="311531" y="5618385"/>
+            <a:ext cx="1065229" cy="1024568"/>
+          </a:xfrm>
+          <a:prstGeom prst="rect">
+            <a:avLst/>
+          </a:prstGeom>
+          <a:solidFill>
+            <a:srgbClr val="A5A5A5"/>
+          </a:solidFill>
+          <a:ln w="38100">
+            <a:solidFill>
+              <a:schemeClr val="tx1"/>
+            </a:solidFill>
+          </a:ln>
+        </p:spPr>
+        <p:style>
+          <a:lnRef idx="2">
+            <a:schemeClr val="accent1">
+              <a:shade val="15000"/>
+            </a:schemeClr>
+          </a:lnRef>
+          <a:fillRef idx="1">
+            <a:schemeClr val="accent1"/>
+          </a:fillRef>
+          <a:effectRef idx="0">
+            <a:schemeClr val="accent1"/>
+          </a:effectRef>
+          <a:fontRef idx="minor">
+            <a:schemeClr val="lt1"/>
+          </a:fontRef>
+        </p:style>
+        <p:txBody>
+          <a:bodyPr rtlCol="0" anchor="ctr"/>
+          <a:lstStyle/>
+          <a:p>
+            <a:pPr algn="ctr"/>
+            <a:endParaRPr lang="fr-FR"/>
+          </a:p>
+        </p:txBody>
+      </p:sp>
+      <p:sp>
+        <p:nvSpPr>
+          <p:cNvPr id="71" name="ZoneTexte 70">
+            <a:extLst>
+              <a:ext uri="{FF2B5EF4-FFF2-40B4-BE49-F238E27FC236}">
+                <a16:creationId xmlns:a16="http://schemas.microsoft.com/office/drawing/2014/main" id="{71F1B319-4745-460A-E008-20EA70EEA69E}"/>
+              </a:ext>
+            </a:extLst>
+          </p:cNvPr>
+          <p:cNvSpPr txBox="1"/>
+          <p:nvPr/>
+        </p:nvSpPr>
+        <p:spPr>
+          <a:xfrm>
+            <a:off x="551913" y="5594823"/>
+            <a:ext cx="584463" cy="1015663"/>
+          </a:xfrm>
+          <a:prstGeom prst="rect">
+            <a:avLst/>
+          </a:prstGeom>
+          <a:noFill/>
+        </p:spPr>
+        <p:txBody>
+          <a:bodyPr wrap="square" rtlCol="0">
+            <a:spAutoFit/>
+          </a:bodyPr>
+          <a:lstStyle/>
+          <a:p>
+            <a:pPr algn="ctr"/>
+            <a:r>
+              <a:rPr lang="fr-FR" sz="6000" dirty="0"/>
+              <a:t>B</a:t>
+            </a:r>
+          </a:p>
+        </p:txBody>
+      </p:sp>
+      <p:sp>
+        <p:nvSpPr>
+          <p:cNvPr id="72" name="Rectangle 71">
+            <a:extLst>
+              <a:ext uri="{FF2B5EF4-FFF2-40B4-BE49-F238E27FC236}">
+                <a16:creationId xmlns:a16="http://schemas.microsoft.com/office/drawing/2014/main" id="{2D82076D-73A1-45F3-3610-A4A2372D5E70}"/>
+              </a:ext>
+            </a:extLst>
+          </p:cNvPr>
+          <p:cNvSpPr/>
+          <p:nvPr/>
+        </p:nvSpPr>
+        <p:spPr>
+          <a:xfrm>
+            <a:off x="5009783" y="5618385"/>
+            <a:ext cx="1065229" cy="1024568"/>
+          </a:xfrm>
+          <a:prstGeom prst="rect">
+            <a:avLst/>
+          </a:prstGeom>
+          <a:solidFill>
+            <a:srgbClr val="A5A5A5"/>
+          </a:solidFill>
+          <a:ln w="38100">
+            <a:solidFill>
+              <a:schemeClr val="tx1"/>
+            </a:solidFill>
+          </a:ln>
+        </p:spPr>
+        <p:style>
+          <a:lnRef idx="2">
+            <a:schemeClr val="accent1">
+              <a:shade val="15000"/>
+            </a:schemeClr>
+          </a:lnRef>
+          <a:fillRef idx="1">
+            <a:schemeClr val="accent1"/>
+          </a:fillRef>
+          <a:effectRef idx="0">
+            <a:schemeClr val="accent1"/>
+          </a:effectRef>
+          <a:fontRef idx="minor">
+            <a:schemeClr val="lt1"/>
+          </a:fontRef>
+        </p:style>
+        <p:txBody>
+          <a:bodyPr rtlCol="0" anchor="ctr"/>
+          <a:lstStyle/>
+          <a:p>
+            <a:pPr algn="ctr"/>
+            <a:endParaRPr lang="fr-FR"/>
+          </a:p>
+        </p:txBody>
+      </p:sp>
+      <p:sp>
+        <p:nvSpPr>
+          <p:cNvPr id="73" name="ZoneTexte 72">
+            <a:extLst>
+              <a:ext uri="{FF2B5EF4-FFF2-40B4-BE49-F238E27FC236}">
+                <a16:creationId xmlns:a16="http://schemas.microsoft.com/office/drawing/2014/main" id="{D117FE93-4A4A-6BAC-729F-5241EC144DFE}"/>
+              </a:ext>
+            </a:extLst>
+          </p:cNvPr>
+          <p:cNvSpPr txBox="1"/>
+          <p:nvPr/>
+        </p:nvSpPr>
+        <p:spPr>
+          <a:xfrm>
+            <a:off x="5250165" y="5594823"/>
+            <a:ext cx="584463" cy="1015663"/>
+          </a:xfrm>
+          <a:prstGeom prst="rect">
+            <a:avLst/>
+          </a:prstGeom>
+          <a:noFill/>
+        </p:spPr>
+        <p:txBody>
+          <a:bodyPr wrap="square" rtlCol="0">
+            <a:spAutoFit/>
+          </a:bodyPr>
+          <a:lstStyle/>
+          <a:p>
+            <a:pPr algn="ctr"/>
+            <a:r>
+              <a:rPr lang="fr-FR" sz="6000" dirty="0"/>
+              <a:t>B</a:t>
+            </a:r>
+          </a:p>
+        </p:txBody>
+      </p:sp>
+      <p:sp>
+        <p:nvSpPr>
+          <p:cNvPr id="74" name="Rectangle 73">
+            <a:extLst>
+              <a:ext uri="{FF2B5EF4-FFF2-40B4-BE49-F238E27FC236}">
+                <a16:creationId xmlns:a16="http://schemas.microsoft.com/office/drawing/2014/main" id="{4925030D-41D2-BBF8-601E-9804D610C273}"/>
+              </a:ext>
+            </a:extLst>
+          </p:cNvPr>
+          <p:cNvSpPr/>
+          <p:nvPr/>
+        </p:nvSpPr>
+        <p:spPr>
+          <a:xfrm>
+            <a:off x="3470969" y="5618385"/>
+            <a:ext cx="1065229" cy="1024568"/>
+          </a:xfrm>
+          <a:prstGeom prst="rect">
+            <a:avLst/>
+          </a:prstGeom>
+          <a:solidFill>
+            <a:srgbClr val="A5A5A5"/>
+          </a:solidFill>
+          <a:ln w="38100">
+            <a:solidFill>
+              <a:schemeClr val="tx1"/>
+            </a:solidFill>
+          </a:ln>
+        </p:spPr>
+        <p:style>
+          <a:lnRef idx="2">
+            <a:schemeClr val="accent1">
+              <a:shade val="15000"/>
+            </a:schemeClr>
+          </a:lnRef>
+          <a:fillRef idx="1">
+            <a:schemeClr val="accent1"/>
+          </a:fillRef>
+          <a:effectRef idx="0">
+            <a:schemeClr val="accent1"/>
+          </a:effectRef>
+          <a:fontRef idx="minor">
+            <a:schemeClr val="lt1"/>
+          </a:fontRef>
+        </p:style>
+        <p:txBody>
+          <a:bodyPr rtlCol="0" anchor="ctr"/>
+          <a:lstStyle/>
+          <a:p>
+            <a:pPr algn="ctr"/>
+            <a:endParaRPr lang="fr-FR"/>
+          </a:p>
+        </p:txBody>
+      </p:sp>
+      <p:sp>
+        <p:nvSpPr>
+          <p:cNvPr id="75" name="ZoneTexte 74">
+            <a:extLst>
+              <a:ext uri="{FF2B5EF4-FFF2-40B4-BE49-F238E27FC236}">
+                <a16:creationId xmlns:a16="http://schemas.microsoft.com/office/drawing/2014/main" id="{1B75DEC8-F28D-3E63-F5A7-BB6420336DD6}"/>
+              </a:ext>
+            </a:extLst>
+          </p:cNvPr>
+          <p:cNvSpPr txBox="1"/>
+          <p:nvPr/>
+        </p:nvSpPr>
+        <p:spPr>
+          <a:xfrm>
+            <a:off x="3711351" y="5594823"/>
+            <a:ext cx="584463" cy="1015663"/>
+          </a:xfrm>
+          <a:prstGeom prst="rect">
+            <a:avLst/>
+          </a:prstGeom>
+          <a:noFill/>
+        </p:spPr>
+        <p:txBody>
+          <a:bodyPr wrap="square" rtlCol="0">
+            <a:spAutoFit/>
+          </a:bodyPr>
+          <a:lstStyle/>
+          <a:p>
+            <a:pPr algn="ctr"/>
+            <a:r>
+              <a:rPr lang="fr-FR" sz="6000" dirty="0"/>
+              <a:t>B</a:t>
+            </a:r>
+          </a:p>
+        </p:txBody>
+      </p:sp>
+      <p:sp>
+        <p:nvSpPr>
+          <p:cNvPr id="76" name="Rectangle 75">
+            <a:extLst>
+              <a:ext uri="{FF2B5EF4-FFF2-40B4-BE49-F238E27FC236}">
+                <a16:creationId xmlns:a16="http://schemas.microsoft.com/office/drawing/2014/main" id="{E704AFF7-D6EE-D09D-EB55-C8082B260987}"/>
+              </a:ext>
+            </a:extLst>
+          </p:cNvPr>
+          <p:cNvSpPr/>
+          <p:nvPr/>
+        </p:nvSpPr>
+        <p:spPr>
+          <a:xfrm>
+            <a:off x="7832212" y="5618385"/>
+            <a:ext cx="1065229" cy="1024568"/>
+          </a:xfrm>
+          <a:prstGeom prst="rect">
+            <a:avLst/>
+          </a:prstGeom>
+          <a:solidFill>
+            <a:srgbClr val="A5A5A5"/>
+          </a:solidFill>
+          <a:ln w="38100">
+            <a:solidFill>
+              <a:schemeClr val="tx1"/>
+            </a:solidFill>
+          </a:ln>
+        </p:spPr>
+        <p:style>
+          <a:lnRef idx="2">
+            <a:schemeClr val="accent1">
+              <a:shade val="15000"/>
+            </a:schemeClr>
+          </a:lnRef>
+          <a:fillRef idx="1">
+            <a:schemeClr val="accent1"/>
+          </a:fillRef>
+          <a:effectRef idx="0">
+            <a:schemeClr val="accent1"/>
+          </a:effectRef>
+          <a:fontRef idx="minor">
+            <a:schemeClr val="lt1"/>
+          </a:fontRef>
+        </p:style>
+        <p:txBody>
+          <a:bodyPr rtlCol="0" anchor="ctr"/>
+          <a:lstStyle/>
+          <a:p>
+            <a:pPr algn="ctr"/>
+            <a:endParaRPr lang="fr-FR"/>
+          </a:p>
+        </p:txBody>
+      </p:sp>
+      <p:sp>
+        <p:nvSpPr>
+          <p:cNvPr id="77" name="ZoneTexte 76">
+            <a:extLst>
+              <a:ext uri="{FF2B5EF4-FFF2-40B4-BE49-F238E27FC236}">
+                <a16:creationId xmlns:a16="http://schemas.microsoft.com/office/drawing/2014/main" id="{82E6393E-6A57-BA20-CB7F-C513104918F8}"/>
+              </a:ext>
+            </a:extLst>
+          </p:cNvPr>
+          <p:cNvSpPr txBox="1"/>
+          <p:nvPr/>
+        </p:nvSpPr>
+        <p:spPr>
+          <a:xfrm>
+            <a:off x="8072594" y="5594823"/>
+            <a:ext cx="584463" cy="1015663"/>
+          </a:xfrm>
+          <a:prstGeom prst="rect">
+            <a:avLst/>
+          </a:prstGeom>
+          <a:noFill/>
+        </p:spPr>
+        <p:txBody>
+          <a:bodyPr wrap="square" rtlCol="0">
+            <a:spAutoFit/>
+          </a:bodyPr>
+          <a:lstStyle/>
+          <a:p>
+            <a:pPr algn="ctr"/>
+            <a:r>
+              <a:rPr lang="fr-FR" sz="6000" dirty="0"/>
+              <a:t>B</a:t>
+            </a:r>
+          </a:p>
+        </p:txBody>
+      </p:sp>
+      <p:sp>
+        <p:nvSpPr>
+          <p:cNvPr id="78" name="Rectangle 77">
+            <a:extLst>
+              <a:ext uri="{FF2B5EF4-FFF2-40B4-BE49-F238E27FC236}">
+                <a16:creationId xmlns:a16="http://schemas.microsoft.com/office/drawing/2014/main" id="{760EF51A-3B2D-B56B-DDF5-918BCBFB21EA}"/>
+              </a:ext>
+            </a:extLst>
+          </p:cNvPr>
+          <p:cNvSpPr/>
+          <p:nvPr/>
+        </p:nvSpPr>
+        <p:spPr>
+          <a:xfrm>
+            <a:off x="6293398" y="5618385"/>
+            <a:ext cx="1065229" cy="1024568"/>
+          </a:xfrm>
+          <a:prstGeom prst="rect">
+            <a:avLst/>
+          </a:prstGeom>
+          <a:solidFill>
+            <a:srgbClr val="A5A5A5"/>
+          </a:solidFill>
+          <a:ln w="38100">
+            <a:solidFill>
+              <a:schemeClr val="tx1"/>
+            </a:solidFill>
+          </a:ln>
+        </p:spPr>
+        <p:style>
+          <a:lnRef idx="2">
+            <a:schemeClr val="accent1">
+              <a:shade val="15000"/>
+            </a:schemeClr>
+          </a:lnRef>
+          <a:fillRef idx="1">
+            <a:schemeClr val="accent1"/>
+          </a:fillRef>
+          <a:effectRef idx="0">
+            <a:schemeClr val="accent1"/>
+          </a:effectRef>
+          <a:fontRef idx="minor">
+            <a:schemeClr val="lt1"/>
+          </a:fontRef>
+        </p:style>
+        <p:txBody>
+          <a:bodyPr rtlCol="0" anchor="ctr"/>
+          <a:lstStyle/>
+          <a:p>
+            <a:pPr algn="ctr"/>
+            <a:endParaRPr lang="fr-FR"/>
+          </a:p>
+        </p:txBody>
+      </p:sp>
+      <p:sp>
+        <p:nvSpPr>
+          <p:cNvPr id="79" name="ZoneTexte 78">
+            <a:extLst>
+              <a:ext uri="{FF2B5EF4-FFF2-40B4-BE49-F238E27FC236}">
+                <a16:creationId xmlns:a16="http://schemas.microsoft.com/office/drawing/2014/main" id="{2A575BC8-D737-88F9-F276-D7758B3F461C}"/>
+              </a:ext>
+            </a:extLst>
+          </p:cNvPr>
+          <p:cNvSpPr txBox="1"/>
+          <p:nvPr/>
+        </p:nvSpPr>
+        <p:spPr>
+          <a:xfrm>
+            <a:off x="6533780" y="5594823"/>
+            <a:ext cx="584463" cy="1015663"/>
+          </a:xfrm>
+          <a:prstGeom prst="rect">
+            <a:avLst/>
+          </a:prstGeom>
+          <a:noFill/>
+        </p:spPr>
+        <p:txBody>
+          <a:bodyPr wrap="square" rtlCol="0">
+            <a:spAutoFit/>
+          </a:bodyPr>
+          <a:lstStyle/>
+          <a:p>
+            <a:pPr algn="ctr"/>
+            <a:r>
+              <a:rPr lang="fr-FR" sz="6000" dirty="0"/>
+              <a:t>B</a:t>
+            </a:r>
+          </a:p>
+        </p:txBody>
+      </p:sp>
+      <p:sp>
+        <p:nvSpPr>
+          <p:cNvPr id="80" name="Rectangle 79">
+            <a:extLst>
+              <a:ext uri="{FF2B5EF4-FFF2-40B4-BE49-F238E27FC236}">
+                <a16:creationId xmlns:a16="http://schemas.microsoft.com/office/drawing/2014/main" id="{18A37725-37FB-F5FB-5159-B92D39B30CD3}"/>
+              </a:ext>
+            </a:extLst>
+          </p:cNvPr>
+          <p:cNvSpPr/>
+          <p:nvPr/>
+        </p:nvSpPr>
+        <p:spPr>
+          <a:xfrm>
+            <a:off x="10991650" y="5618385"/>
+            <a:ext cx="1065229" cy="1024568"/>
+          </a:xfrm>
+          <a:prstGeom prst="rect">
+            <a:avLst/>
+          </a:prstGeom>
+          <a:solidFill>
+            <a:srgbClr val="A5A5A5"/>
+          </a:solidFill>
+          <a:ln w="38100">
+            <a:solidFill>
+              <a:schemeClr val="tx1"/>
+            </a:solidFill>
+          </a:ln>
+        </p:spPr>
+        <p:style>
+          <a:lnRef idx="2">
+            <a:schemeClr val="accent1">
+              <a:shade val="15000"/>
+            </a:schemeClr>
+          </a:lnRef>
+          <a:fillRef idx="1">
+            <a:schemeClr val="accent1"/>
+          </a:fillRef>
+          <a:effectRef idx="0">
+            <a:schemeClr val="accent1"/>
+          </a:effectRef>
+          <a:fontRef idx="minor">
+            <a:schemeClr val="lt1"/>
+          </a:fontRef>
+        </p:style>
+        <p:txBody>
+          <a:bodyPr rtlCol="0" anchor="ctr"/>
+          <a:lstStyle/>
+          <a:p>
+            <a:pPr algn="ctr"/>
+            <a:endParaRPr lang="fr-FR"/>
+          </a:p>
+        </p:txBody>
+      </p:sp>
+      <p:sp>
+        <p:nvSpPr>
+          <p:cNvPr id="81" name="ZoneTexte 80">
+            <a:extLst>
+              <a:ext uri="{FF2B5EF4-FFF2-40B4-BE49-F238E27FC236}">
+                <a16:creationId xmlns:a16="http://schemas.microsoft.com/office/drawing/2014/main" id="{C4163783-D477-D125-7352-DA5DC6F1B5B3}"/>
+              </a:ext>
+            </a:extLst>
+          </p:cNvPr>
+          <p:cNvSpPr txBox="1"/>
+          <p:nvPr/>
+        </p:nvSpPr>
+        <p:spPr>
+          <a:xfrm>
+            <a:off x="11232032" y="5594823"/>
+            <a:ext cx="584463" cy="1015663"/>
+          </a:xfrm>
+          <a:prstGeom prst="rect">
+            <a:avLst/>
+          </a:prstGeom>
+          <a:noFill/>
+        </p:spPr>
+        <p:txBody>
+          <a:bodyPr wrap="square" rtlCol="0">
+            <a:spAutoFit/>
+          </a:bodyPr>
+          <a:lstStyle/>
+          <a:p>
+            <a:pPr algn="ctr"/>
+            <a:r>
+              <a:rPr lang="fr-FR" sz="6000" dirty="0"/>
+              <a:t>B</a:t>
+            </a:r>
+          </a:p>
+        </p:txBody>
+      </p:sp>
+      <p:sp>
+        <p:nvSpPr>
+          <p:cNvPr id="82" name="Rectangle 81">
+            <a:extLst>
+              <a:ext uri="{FF2B5EF4-FFF2-40B4-BE49-F238E27FC236}">
+                <a16:creationId xmlns:a16="http://schemas.microsoft.com/office/drawing/2014/main" id="{AB433941-7A04-AB07-9B68-05AF58ABBBB9}"/>
+              </a:ext>
+            </a:extLst>
+          </p:cNvPr>
+          <p:cNvSpPr/>
+          <p:nvPr/>
+        </p:nvSpPr>
+        <p:spPr>
+          <a:xfrm>
+            <a:off x="9452836" y="5618385"/>
+            <a:ext cx="1065229" cy="1024568"/>
+          </a:xfrm>
+          <a:prstGeom prst="rect">
+            <a:avLst/>
+          </a:prstGeom>
+          <a:solidFill>
+            <a:srgbClr val="A5A5A5"/>
+          </a:solidFill>
+          <a:ln w="38100">
+            <a:solidFill>
+              <a:schemeClr val="tx1"/>
+            </a:solidFill>
+          </a:ln>
+        </p:spPr>
+        <p:style>
+          <a:lnRef idx="2">
+            <a:schemeClr val="accent1">
+              <a:shade val="15000"/>
+            </a:schemeClr>
+          </a:lnRef>
+          <a:fillRef idx="1">
+            <a:schemeClr val="accent1"/>
+          </a:fillRef>
+          <a:effectRef idx="0">
+            <a:schemeClr val="accent1"/>
+          </a:effectRef>
+          <a:fontRef idx="minor">
+            <a:schemeClr val="lt1"/>
+          </a:fontRef>
+        </p:style>
+        <p:txBody>
+          <a:bodyPr rtlCol="0" anchor="ctr"/>
+          <a:lstStyle/>
+          <a:p>
+            <a:pPr algn="ctr"/>
+            <a:endParaRPr lang="fr-FR"/>
+          </a:p>
+        </p:txBody>
+      </p:sp>
+      <p:sp>
+        <p:nvSpPr>
+          <p:cNvPr id="83" name="ZoneTexte 82">
+            <a:extLst>
+              <a:ext uri="{FF2B5EF4-FFF2-40B4-BE49-F238E27FC236}">
+                <a16:creationId xmlns:a16="http://schemas.microsoft.com/office/drawing/2014/main" id="{02C23EE8-A9E1-F1A4-E502-6DF10DD3E1BA}"/>
+              </a:ext>
+            </a:extLst>
+          </p:cNvPr>
+          <p:cNvSpPr txBox="1"/>
+          <p:nvPr/>
+        </p:nvSpPr>
+        <p:spPr>
+          <a:xfrm>
+            <a:off x="9693218" y="5594823"/>
+            <a:ext cx="584463" cy="1015663"/>
+          </a:xfrm>
+          <a:prstGeom prst="rect">
+            <a:avLst/>
+          </a:prstGeom>
+          <a:noFill/>
+        </p:spPr>
+        <p:txBody>
+          <a:bodyPr wrap="square" rtlCol="0">
+            <a:spAutoFit/>
+          </a:bodyPr>
+          <a:lstStyle/>
+          <a:p>
+            <a:pPr algn="ctr"/>
+            <a:r>
+              <a:rPr lang="fr-FR" sz="6000" dirty="0"/>
+              <a:t>B</a:t>
+            </a:r>
+          </a:p>
+        </p:txBody>
+      </p:sp>
     </p:spTree>
     <p:extLst>
       <p:ext uri="{BB962C8B-B14F-4D97-AF65-F5344CB8AC3E}">
